--- a/xpedition_designer/images/flow-chart.pptx
+++ b/xpedition_designer/images/flow-chart.pptx
@@ -6,6 +6,7 @@
   </p:sldMasterIdLst>
   <p:sldIdLst>
     <p:sldId id="257" r:id="rId2"/>
+    <p:sldId id="259" r:id="rId3"/>
   </p:sldIdLst>
   <p:sldSz cx="12192000" cy="6858000"/>
   <p:notesSz cx="6858000" cy="9144000"/>
@@ -104,7 +105,96 @@
       </a:defRPr>
     </a:lvl9pPr>
   </p:defaultTextStyle>
+  <p:extLst>
+    <p:ext uri="{EFAFB233-063F-42B5-8137-9DF3F51BA10A}">
+      <p15:sldGuideLst xmlns:p15="http://schemas.microsoft.com/office/powerpoint/2012/main"/>
+    </p:ext>
+  </p:extLst>
 </p:presentation>
+</file>
+
+<file path=ppt/changesInfos/changesInfo1.xml><?xml version="1.0" encoding="utf-8"?>
+<pc:chgInfo xmlns:a="http://schemas.openxmlformats.org/drawingml/2006/main" xmlns:r="http://schemas.openxmlformats.org/officeDocument/2006/relationships" xmlns:ac="http://schemas.microsoft.com/office/drawing/2013/main/command" xmlns:pc="http://schemas.microsoft.com/office/powerpoint/2013/main/command">
+  <pc:docChgLst>
+    <pc:chgData name="Merger Edgar FRD XAHDH13" userId="bc3d4c67-dcc3-408b-96f7-613e0dfa2b90" providerId="ADAL" clId="{D6E6E947-5D8F-436A-AFFF-9BC2F7B01DB1}"/>
+    <pc:docChg chg="addSld delSld modSld">
+      <pc:chgData name="Merger Edgar FRD XAHDH13" userId="bc3d4c67-dcc3-408b-96f7-613e0dfa2b90" providerId="ADAL" clId="{D6E6E947-5D8F-436A-AFFF-9BC2F7B01DB1}" dt="2024-11-14T16:45:13.895" v="23" actId="20577"/>
+      <pc:docMkLst>
+        <pc:docMk/>
+      </pc:docMkLst>
+      <pc:sldChg chg="new del">
+        <pc:chgData name="Merger Edgar FRD XAHDH13" userId="bc3d4c67-dcc3-408b-96f7-613e0dfa2b90" providerId="ADAL" clId="{D6E6E947-5D8F-436A-AFFF-9BC2F7B01DB1}" dt="2024-11-14T16:44:06.511" v="2" actId="47"/>
+        <pc:sldMkLst>
+          <pc:docMk/>
+          <pc:sldMk cId="1079345857" sldId="258"/>
+        </pc:sldMkLst>
+      </pc:sldChg>
+      <pc:sldChg chg="addSp modSp add mod">
+        <pc:chgData name="Merger Edgar FRD XAHDH13" userId="bc3d4c67-dcc3-408b-96f7-613e0dfa2b90" providerId="ADAL" clId="{D6E6E947-5D8F-436A-AFFF-9BC2F7B01DB1}" dt="2024-11-14T16:45:13.895" v="23" actId="20577"/>
+        <pc:sldMkLst>
+          <pc:docMk/>
+          <pc:sldMk cId="3539241343" sldId="259"/>
+        </pc:sldMkLst>
+        <pc:spChg chg="mod">
+          <ac:chgData name="Merger Edgar FRD XAHDH13" userId="bc3d4c67-dcc3-408b-96f7-613e0dfa2b90" providerId="ADAL" clId="{D6E6E947-5D8F-436A-AFFF-9BC2F7B01DB1}" dt="2024-11-14T16:44:10.516" v="12" actId="20577"/>
+          <ac:spMkLst>
+            <pc:docMk/>
+            <pc:sldMk cId="3539241343" sldId="259"/>
+            <ac:spMk id="2" creationId="{8DA656EA-B4B1-384D-1302-48B5F18C6B04}"/>
+          </ac:spMkLst>
+        </pc:spChg>
+        <pc:spChg chg="mod">
+          <ac:chgData name="Merger Edgar FRD XAHDH13" userId="bc3d4c67-dcc3-408b-96f7-613e0dfa2b90" providerId="ADAL" clId="{D6E6E947-5D8F-436A-AFFF-9BC2F7B01DB1}" dt="2024-11-14T16:44:21.365" v="14" actId="20577"/>
+          <ac:spMkLst>
+            <pc:docMk/>
+            <pc:sldMk cId="3539241343" sldId="259"/>
+            <ac:spMk id="29" creationId="{7C136D46-FE49-2D68-5FA7-853243FC786A}"/>
+          </ac:spMkLst>
+        </pc:spChg>
+        <pc:spChg chg="mod">
+          <ac:chgData name="Merger Edgar FRD XAHDH13" userId="bc3d4c67-dcc3-408b-96f7-613e0dfa2b90" providerId="ADAL" clId="{D6E6E947-5D8F-436A-AFFF-9BC2F7B01DB1}" dt="2024-11-14T16:44:14.534" v="13" actId="20577"/>
+          <ac:spMkLst>
+            <pc:docMk/>
+            <pc:sldMk cId="3539241343" sldId="259"/>
+            <ac:spMk id="39" creationId="{C647F991-2DB1-7E3C-15C9-48957F88C525}"/>
+          </ac:spMkLst>
+        </pc:spChg>
+        <pc:spChg chg="mod">
+          <ac:chgData name="Merger Edgar FRD XAHDH13" userId="bc3d4c67-dcc3-408b-96f7-613e0dfa2b90" providerId="ADAL" clId="{D6E6E947-5D8F-436A-AFFF-9BC2F7B01DB1}" dt="2024-11-14T16:45:13.895" v="23" actId="20577"/>
+          <ac:spMkLst>
+            <pc:docMk/>
+            <pc:sldMk cId="3539241343" sldId="259"/>
+            <ac:spMk id="44" creationId="{CF1FC152-E602-8430-A215-E6901590B894}"/>
+          </ac:spMkLst>
+        </pc:spChg>
+        <pc:picChg chg="add mod">
+          <ac:chgData name="Merger Edgar FRD XAHDH13" userId="bc3d4c67-dcc3-408b-96f7-613e0dfa2b90" providerId="ADAL" clId="{D6E6E947-5D8F-436A-AFFF-9BC2F7B01DB1}" dt="2024-11-14T16:44:51.429" v="19" actId="14100"/>
+          <ac:picMkLst>
+            <pc:docMk/>
+            <pc:sldMk cId="3539241343" sldId="259"/>
+            <ac:picMk id="4" creationId="{1868C496-3F89-090E-F42A-67347628E814}"/>
+          </ac:picMkLst>
+        </pc:picChg>
+        <pc:picChg chg="add mod">
+          <ac:chgData name="Merger Edgar FRD XAHDH13" userId="bc3d4c67-dcc3-408b-96f7-613e0dfa2b90" providerId="ADAL" clId="{D6E6E947-5D8F-436A-AFFF-9BC2F7B01DB1}" dt="2024-11-14T16:45:08.404" v="22" actId="1076"/>
+          <ac:picMkLst>
+            <pc:docMk/>
+            <pc:sldMk cId="3539241343" sldId="259"/>
+            <ac:picMk id="5" creationId="{37AECDB1-9FF9-3746-9425-8FFA95548A9A}"/>
+          </ac:picMkLst>
+        </pc:picChg>
+        <pc:picChg chg="mod">
+          <ac:chgData name="Merger Edgar FRD XAHDH13" userId="bc3d4c67-dcc3-408b-96f7-613e0dfa2b90" providerId="ADAL" clId="{D6E6E947-5D8F-436A-AFFF-9BC2F7B01DB1}" dt="2024-11-14T16:44:47.291" v="17" actId="1076"/>
+          <ac:picMkLst>
+            <pc:docMk/>
+            <pc:sldMk cId="3539241343" sldId="259"/>
+            <ac:picMk id="31" creationId="{040844AA-E79B-1770-FF18-2B01FD25E2EB}"/>
+          </ac:picMkLst>
+        </pc:picChg>
+      </pc:sldChg>
+    </pc:docChg>
+  </pc:docChgLst>
+</pc:chgInfo>
 </file>
 
 <file path=ppt/slideLayouts/slideLayout1.xml><?xml version="1.0" encoding="utf-8"?>
@@ -4954,6 +5044,1695 @@
 </p:sld>
 </file>
 
+<file path=ppt/slides/slide2.xml><?xml version="1.0" encoding="utf-8"?>
+<p:sld xmlns:a="http://schemas.openxmlformats.org/drawingml/2006/main" xmlns:r="http://schemas.openxmlformats.org/officeDocument/2006/relationships" xmlns:p="http://schemas.openxmlformats.org/presentationml/2006/main">
+  <p:cSld>
+    <p:spTree>
+      <p:nvGrpSpPr>
+        <p:cNvPr id="1" name=""/>
+        <p:cNvGrpSpPr/>
+        <p:nvPr/>
+      </p:nvGrpSpPr>
+      <p:grpSpPr>
+        <a:xfrm>
+          <a:off x="0" y="0"/>
+          <a:ext cx="0" cy="0"/>
+          <a:chOff x="0" y="0"/>
+          <a:chExt cx="0" cy="0"/>
+        </a:xfrm>
+      </p:grpSpPr>
+      <p:sp>
+        <p:nvSpPr>
+          <p:cNvPr id="2" name="Titel 1">
+            <a:extLst>
+              <a:ext uri="{FF2B5EF4-FFF2-40B4-BE49-F238E27FC236}">
+                <a16:creationId xmlns:a16="http://schemas.microsoft.com/office/drawing/2014/main" id="{8DA656EA-B4B1-384D-1302-48B5F18C6B04}"/>
+              </a:ext>
+            </a:extLst>
+          </p:cNvPr>
+          <p:cNvSpPr>
+            <a:spLocks noGrp="1"/>
+          </p:cNvSpPr>
+          <p:nvPr>
+            <p:ph type="title"/>
+          </p:nvPr>
+        </p:nvSpPr>
+        <p:spPr/>
+        <p:txBody>
+          <a:bodyPr/>
+          <a:lstStyle/>
+          <a:p>
+            <a:r>
+              <a:rPr lang="en-US"/>
+              <a:t>General Flow Chart</a:t>
+            </a:r>
+          </a:p>
+        </p:txBody>
+      </p:sp>
+      <p:sp>
+        <p:nvSpPr>
+          <p:cNvPr id="3" name="Inhaltsplatzhalter 2">
+            <a:extLst>
+              <a:ext uri="{FF2B5EF4-FFF2-40B4-BE49-F238E27FC236}">
+                <a16:creationId xmlns:a16="http://schemas.microsoft.com/office/drawing/2014/main" id="{2DD9E47F-8AE7-D821-0F5A-55832B6BBD4F}"/>
+              </a:ext>
+            </a:extLst>
+          </p:cNvPr>
+          <p:cNvSpPr>
+            <a:spLocks noGrp="1"/>
+          </p:cNvSpPr>
+          <p:nvPr>
+            <p:ph idx="1"/>
+          </p:nvPr>
+        </p:nvSpPr>
+        <p:spPr/>
+        <p:txBody>
+          <a:bodyPr/>
+          <a:lstStyle/>
+          <a:p>
+            <a:pPr marL="0" indent="0">
+              <a:buNone/>
+            </a:pPr>
+            <a:r>
+              <a:rPr lang="en-US"/>
+              <a:t>:</a:t>
+            </a:r>
+          </a:p>
+        </p:txBody>
+      </p:sp>
+      <p:sp>
+        <p:nvSpPr>
+          <p:cNvPr id="29" name="Rechteck 28">
+            <a:extLst>
+              <a:ext uri="{FF2B5EF4-FFF2-40B4-BE49-F238E27FC236}">
+                <a16:creationId xmlns:a16="http://schemas.microsoft.com/office/drawing/2014/main" id="{7C136D46-FE49-2D68-5FA7-853243FC786A}"/>
+              </a:ext>
+            </a:extLst>
+          </p:cNvPr>
+          <p:cNvSpPr/>
+          <p:nvPr/>
+        </p:nvSpPr>
+        <p:spPr>
+          <a:xfrm>
+            <a:off x="7512206" y="2204655"/>
+            <a:ext cx="1012531" cy="740441"/>
+          </a:xfrm>
+          <a:prstGeom prst="rect">
+            <a:avLst/>
+          </a:prstGeom>
+          <a:solidFill>
+            <a:schemeClr val="bg2"/>
+          </a:solidFill>
+          <a:ln w="12700" cap="flat" cmpd="sng" algn="ctr">
+            <a:noFill/>
+            <a:prstDash val="solid"/>
+          </a:ln>
+          <a:effectLst/>
+        </p:spPr>
+        <p:txBody>
+          <a:bodyPr rot="0" spcFirstLastPara="0" vertOverflow="overflow" horzOverflow="overflow" vert="horz" wrap="square" lIns="90000" tIns="90000" rIns="90000" bIns="90000" numCol="1" spcCol="0" rtlCol="0" fromWordArt="0" anchor="ctr" anchorCtr="0" forceAA="0" compatLnSpc="1">
+            <a:prstTxWarp prst="textNoShape">
+              <a:avLst/>
+            </a:prstTxWarp>
+            <a:noAutofit/>
+          </a:bodyPr>
+          <a:lstStyle/>
+          <a:p>
+            <a:pPr marL="0" marR="0" indent="0" algn="ctr" defTabSz="914400" eaLnBrk="1" fontAlgn="base" latinLnBrk="0" hangingPunct="1">
+              <a:lnSpc>
+                <a:spcPct val="100000"/>
+              </a:lnSpc>
+              <a:spcBef>
+                <a:spcPts val="0"/>
+              </a:spcBef>
+              <a:spcAft>
+                <a:spcPct val="0"/>
+              </a:spcAft>
+              <a:buClrTx/>
+              <a:buSzTx/>
+              <a:buFontTx/>
+              <a:buNone/>
+              <a:tabLst/>
+            </a:pPr>
+            <a:r>
+              <a:rPr lang="en-US" sz="1200" kern="0">
+                <a:latin typeface="Tahoma"/>
+                <a:cs typeface="Tahoma" pitchFamily="34" charset="0"/>
+              </a:rPr>
+              <a:t>Xpedition *</a:t>
+            </a:r>
+            <a:endParaRPr kumimoji="0" lang="en-US" sz="1200" b="0" i="0" u="none" strike="noStrike" kern="0" cap="none" spc="0" normalizeH="0" baseline="0" noProof="0" dirty="0" err="1">
+              <a:ln>
+                <a:noFill/>
+              </a:ln>
+              <a:effectLst/>
+              <a:uLnTx/>
+              <a:uFillTx/>
+              <a:latin typeface="Tahoma"/>
+              <a:ea typeface="+mn-ea"/>
+              <a:cs typeface="Tahoma" pitchFamily="34" charset="0"/>
+            </a:endParaRPr>
+          </a:p>
+        </p:txBody>
+      </p:sp>
+      <p:sp>
+        <p:nvSpPr>
+          <p:cNvPr id="30" name="Rechteck 29">
+            <a:extLst>
+              <a:ext uri="{FF2B5EF4-FFF2-40B4-BE49-F238E27FC236}">
+                <a16:creationId xmlns:a16="http://schemas.microsoft.com/office/drawing/2014/main" id="{50D9A49B-1E49-0D97-E687-AC7B4D629445}"/>
+              </a:ext>
+            </a:extLst>
+          </p:cNvPr>
+          <p:cNvSpPr/>
+          <p:nvPr/>
+        </p:nvSpPr>
+        <p:spPr>
+          <a:xfrm>
+            <a:off x="6541299" y="4450335"/>
+            <a:ext cx="798428" cy="740441"/>
+          </a:xfrm>
+          <a:prstGeom prst="rect">
+            <a:avLst/>
+          </a:prstGeom>
+          <a:solidFill>
+            <a:schemeClr val="bg2"/>
+          </a:solidFill>
+          <a:ln w="12700" cap="flat" cmpd="sng" algn="ctr">
+            <a:noFill/>
+            <a:prstDash val="solid"/>
+          </a:ln>
+          <a:effectLst/>
+        </p:spPr>
+        <p:txBody>
+          <a:bodyPr rot="0" spcFirstLastPara="0" vertOverflow="overflow" horzOverflow="overflow" vert="horz" wrap="square" lIns="90000" tIns="90000" rIns="90000" bIns="90000" numCol="1" spcCol="0" rtlCol="0" fromWordArt="0" anchor="ctr" anchorCtr="0" forceAA="0" compatLnSpc="1">
+            <a:prstTxWarp prst="textNoShape">
+              <a:avLst/>
+            </a:prstTxWarp>
+            <a:noAutofit/>
+          </a:bodyPr>
+          <a:lstStyle/>
+          <a:p>
+            <a:pPr marL="0" marR="0" indent="0" algn="ctr" defTabSz="914400" eaLnBrk="1" fontAlgn="base" latinLnBrk="0" hangingPunct="1">
+              <a:lnSpc>
+                <a:spcPct val="100000"/>
+              </a:lnSpc>
+              <a:spcBef>
+                <a:spcPts val="0"/>
+              </a:spcBef>
+              <a:spcAft>
+                <a:spcPct val="0"/>
+              </a:spcAft>
+              <a:buClrTx/>
+              <a:buSzTx/>
+              <a:buFontTx/>
+              <a:buNone/>
+              <a:tabLst/>
+            </a:pPr>
+            <a:r>
+              <a:rPr kumimoji="0" lang="en-US" sz="1200" b="0" i="0" u="none" strike="noStrike" kern="0" cap="none" spc="0" normalizeH="0" baseline="0" noProof="0">
+                <a:ln>
+                  <a:noFill/>
+                </a:ln>
+                <a:effectLst/>
+                <a:uLnTx/>
+                <a:uFillTx/>
+                <a:latin typeface="Tahoma"/>
+                <a:ea typeface="+mn-ea"/>
+                <a:cs typeface="Tahoma" pitchFamily="34" charset="0"/>
+              </a:rPr>
+              <a:t>pywin32</a:t>
+            </a:r>
+            <a:endParaRPr kumimoji="0" lang="en-US" sz="1200" b="0" i="0" u="none" strike="noStrike" kern="0" cap="none" spc="0" normalizeH="0" baseline="0" noProof="0" dirty="0" err="1">
+              <a:ln>
+                <a:noFill/>
+              </a:ln>
+              <a:effectLst/>
+              <a:uLnTx/>
+              <a:uFillTx/>
+              <a:latin typeface="Tahoma"/>
+              <a:ea typeface="+mn-ea"/>
+              <a:cs typeface="Tahoma" pitchFamily="34" charset="0"/>
+            </a:endParaRPr>
+          </a:p>
+        </p:txBody>
+      </p:sp>
+      <p:pic>
+        <p:nvPicPr>
+          <p:cNvPr id="31" name="Inhaltsplatzhalter 8">
+            <a:extLst>
+              <a:ext uri="{FF2B5EF4-FFF2-40B4-BE49-F238E27FC236}">
+                <a16:creationId xmlns:a16="http://schemas.microsoft.com/office/drawing/2014/main" id="{040844AA-E79B-1770-FF18-2B01FD25E2EB}"/>
+              </a:ext>
+            </a:extLst>
+          </p:cNvPr>
+          <p:cNvPicPr>
+            <a:picLocks noChangeAspect="1"/>
+          </p:cNvPicPr>
+          <p:nvPr/>
+        </p:nvPicPr>
+        <p:blipFill>
+          <a:blip r:embed="rId2"/>
+          <a:stretch>
+            <a:fillRect/>
+          </a:stretch>
+        </p:blipFill>
+        <p:spPr>
+          <a:xfrm>
+            <a:off x="7199957" y="2780308"/>
+            <a:ext cx="567370" cy="365639"/>
+          </a:xfrm>
+          <a:prstGeom prst="rect">
+            <a:avLst/>
+          </a:prstGeom>
+        </p:spPr>
+      </p:pic>
+      <p:pic>
+        <p:nvPicPr>
+          <p:cNvPr id="32" name="Picture 2" descr="Python (programming language) - Wikipedia">
+            <a:extLst>
+              <a:ext uri="{FF2B5EF4-FFF2-40B4-BE49-F238E27FC236}">
+                <a16:creationId xmlns:a16="http://schemas.microsoft.com/office/drawing/2014/main" id="{C5F786F8-4B40-2347-3679-A07094BB756C}"/>
+              </a:ext>
+            </a:extLst>
+          </p:cNvPr>
+          <p:cNvPicPr>
+            <a:picLocks noChangeAspect="1" noChangeArrowheads="1"/>
+          </p:cNvPicPr>
+          <p:nvPr/>
+        </p:nvPicPr>
+        <p:blipFill>
+          <a:blip r:embed="rId3" cstate="print">
+            <a:extLst>
+              <a:ext uri="{28A0092B-C50C-407E-A947-70E740481C1C}">
+                <a14:useLocalDpi xmlns:a14="http://schemas.microsoft.com/office/drawing/2010/main" val="0"/>
+              </a:ext>
+            </a:extLst>
+          </a:blip>
+          <a:srcRect/>
+          <a:stretch>
+            <a:fillRect/>
+          </a:stretch>
+        </p:blipFill>
+        <p:spPr bwMode="auto">
+          <a:xfrm>
+            <a:off x="7095165" y="4963913"/>
+            <a:ext cx="458665" cy="503413"/>
+          </a:xfrm>
+          <a:prstGeom prst="rect">
+            <a:avLst/>
+          </a:prstGeom>
+          <a:noFill/>
+          <a:extLst>
+            <a:ext uri="{909E8E84-426E-40DD-AFC4-6F175D3DCCD1}">
+              <a14:hiddenFill xmlns:a14="http://schemas.microsoft.com/office/drawing/2010/main">
+                <a:solidFill>
+                  <a:srgbClr val="FFFFFF"/>
+                </a:solidFill>
+              </a14:hiddenFill>
+            </a:ext>
+          </a:extLst>
+        </p:spPr>
+      </p:pic>
+      <p:sp>
+        <p:nvSpPr>
+          <p:cNvPr id="33" name="Rechteck 32">
+            <a:extLst>
+              <a:ext uri="{FF2B5EF4-FFF2-40B4-BE49-F238E27FC236}">
+                <a16:creationId xmlns:a16="http://schemas.microsoft.com/office/drawing/2014/main" id="{2E0AED4E-5AA1-6421-1BAE-2DFD698A069B}"/>
+              </a:ext>
+            </a:extLst>
+          </p:cNvPr>
+          <p:cNvSpPr/>
+          <p:nvPr/>
+        </p:nvSpPr>
+        <p:spPr>
+          <a:xfrm>
+            <a:off x="9179949" y="4450335"/>
+            <a:ext cx="798428" cy="740441"/>
+          </a:xfrm>
+          <a:prstGeom prst="rect">
+            <a:avLst/>
+          </a:prstGeom>
+          <a:solidFill>
+            <a:schemeClr val="bg2"/>
+          </a:solidFill>
+          <a:ln w="12700" cap="flat" cmpd="sng" algn="ctr">
+            <a:noFill/>
+            <a:prstDash val="solid"/>
+          </a:ln>
+          <a:effectLst/>
+        </p:spPr>
+        <p:txBody>
+          <a:bodyPr rot="0" spcFirstLastPara="0" vertOverflow="overflow" horzOverflow="overflow" vert="horz" wrap="square" lIns="90000" tIns="90000" rIns="90000" bIns="90000" numCol="1" spcCol="0" rtlCol="0" fromWordArt="0" anchor="ctr" anchorCtr="0" forceAA="0" compatLnSpc="1">
+            <a:prstTxWarp prst="textNoShape">
+              <a:avLst/>
+            </a:prstTxWarp>
+            <a:noAutofit/>
+          </a:bodyPr>
+          <a:lstStyle/>
+          <a:p>
+            <a:pPr marL="0" marR="0" indent="0" algn="ctr" defTabSz="914400" eaLnBrk="1" fontAlgn="base" latinLnBrk="0" hangingPunct="1">
+              <a:lnSpc>
+                <a:spcPct val="100000"/>
+              </a:lnSpc>
+              <a:spcBef>
+                <a:spcPts val="0"/>
+              </a:spcBef>
+              <a:spcAft>
+                <a:spcPct val="0"/>
+              </a:spcAft>
+              <a:buClrTx/>
+              <a:buSzTx/>
+              <a:buFontTx/>
+              <a:buNone/>
+              <a:tabLst/>
+            </a:pPr>
+            <a:r>
+              <a:rPr kumimoji="0" lang="en-US" sz="1200" b="0" i="0" u="none" strike="noStrike" kern="0" cap="none" spc="0" normalizeH="0" baseline="0" noProof="0">
+                <a:ln>
+                  <a:noFill/>
+                </a:ln>
+                <a:effectLst/>
+                <a:uLnTx/>
+                <a:uFillTx/>
+                <a:latin typeface="Tahoma"/>
+                <a:ea typeface="+mn-ea"/>
+                <a:cs typeface="Tahoma" pitchFamily="34" charset="0"/>
+              </a:rPr>
+              <a:t>COM</a:t>
+            </a:r>
+            <a:endParaRPr kumimoji="0" lang="en-US" sz="1200" b="0" i="0" u="none" strike="noStrike" kern="0" cap="none" spc="0" normalizeH="0" baseline="0" noProof="0" dirty="0" err="1">
+              <a:ln>
+                <a:noFill/>
+              </a:ln>
+              <a:effectLst/>
+              <a:uLnTx/>
+              <a:uFillTx/>
+              <a:latin typeface="Tahoma"/>
+              <a:ea typeface="+mn-ea"/>
+              <a:cs typeface="Tahoma" pitchFamily="34" charset="0"/>
+            </a:endParaRPr>
+          </a:p>
+        </p:txBody>
+      </p:sp>
+      <p:pic>
+        <p:nvPicPr>
+          <p:cNvPr id="34" name="Picture 8">
+            <a:extLst>
+              <a:ext uri="{FF2B5EF4-FFF2-40B4-BE49-F238E27FC236}">
+                <a16:creationId xmlns:a16="http://schemas.microsoft.com/office/drawing/2014/main" id="{08D2FB99-FDAB-48B7-D350-41E9BD4EF953}"/>
+              </a:ext>
+            </a:extLst>
+          </p:cNvPr>
+          <p:cNvPicPr>
+            <a:picLocks noChangeAspect="1" noChangeArrowheads="1"/>
+          </p:cNvPicPr>
+          <p:nvPr/>
+        </p:nvPicPr>
+        <p:blipFill>
+          <a:blip r:embed="rId4" cstate="print">
+            <a:extLst>
+              <a:ext uri="{28A0092B-C50C-407E-A947-70E740481C1C}">
+                <a14:useLocalDpi xmlns:a14="http://schemas.microsoft.com/office/drawing/2010/main" val="0"/>
+              </a:ext>
+            </a:extLst>
+          </a:blip>
+          <a:srcRect/>
+          <a:stretch>
+            <a:fillRect/>
+          </a:stretch>
+        </p:blipFill>
+        <p:spPr bwMode="auto">
+          <a:xfrm>
+            <a:off x="9798749" y="4912578"/>
+            <a:ext cx="445378" cy="445378"/>
+          </a:xfrm>
+          <a:prstGeom prst="rect">
+            <a:avLst/>
+          </a:prstGeom>
+          <a:noFill/>
+          <a:extLst>
+            <a:ext uri="{909E8E84-426E-40DD-AFC4-6F175D3DCCD1}">
+              <a14:hiddenFill xmlns:a14="http://schemas.microsoft.com/office/drawing/2010/main">
+                <a:solidFill>
+                  <a:srgbClr val="FFFFFF"/>
+                </a:solidFill>
+              </a14:hiddenFill>
+            </a:ext>
+          </a:extLst>
+        </p:spPr>
+      </p:pic>
+      <p:cxnSp>
+        <p:nvCxnSpPr>
+          <p:cNvPr id="35" name="Verbinder: gewinkelt 34">
+            <a:extLst>
+              <a:ext uri="{FF2B5EF4-FFF2-40B4-BE49-F238E27FC236}">
+                <a16:creationId xmlns:a16="http://schemas.microsoft.com/office/drawing/2014/main" id="{F51FD2DA-7F8B-CD83-F3D0-938F7242F77A}"/>
+              </a:ext>
+            </a:extLst>
+          </p:cNvPr>
+          <p:cNvCxnSpPr>
+            <a:cxnSpLocks/>
+            <a:stCxn id="29" idx="3"/>
+            <a:endCxn id="33" idx="0"/>
+          </p:cNvCxnSpPr>
+          <p:nvPr/>
+        </p:nvCxnSpPr>
+        <p:spPr>
+          <a:xfrm>
+            <a:off x="8524737" y="2574876"/>
+            <a:ext cx="1054426" cy="1875459"/>
+          </a:xfrm>
+          <a:prstGeom prst="bentConnector2">
+            <a:avLst/>
+          </a:prstGeom>
+          <a:noFill/>
+          <a:ln w="6350" cap="rnd" cmpd="sng" algn="ctr">
+            <a:solidFill>
+              <a:schemeClr val="bg2"/>
+            </a:solidFill>
+            <a:prstDash val="solid"/>
+            <a:round/>
+            <a:tailEnd type="triangle"/>
+          </a:ln>
+          <a:effectLst/>
+        </p:spPr>
+      </p:cxnSp>
+      <p:sp>
+        <p:nvSpPr>
+          <p:cNvPr id="36" name="Textfeld 35">
+            <a:extLst>
+              <a:ext uri="{FF2B5EF4-FFF2-40B4-BE49-F238E27FC236}">
+                <a16:creationId xmlns:a16="http://schemas.microsoft.com/office/drawing/2014/main" id="{1AC60237-17F5-328C-B2BE-E84EED897634}"/>
+              </a:ext>
+            </a:extLst>
+          </p:cNvPr>
+          <p:cNvSpPr txBox="1"/>
+          <p:nvPr/>
+        </p:nvSpPr>
+        <p:spPr>
+          <a:xfrm>
+            <a:off x="9593405" y="3811941"/>
+            <a:ext cx="525785" cy="369332"/>
+          </a:xfrm>
+          <a:prstGeom prst="rect">
+            <a:avLst/>
+          </a:prstGeom>
+          <a:noFill/>
+        </p:spPr>
+        <p:txBody>
+          <a:bodyPr wrap="none" lIns="0" tIns="0" rIns="0" bIns="0" rtlCol="0">
+            <a:spAutoFit/>
+          </a:bodyPr>
+          <a:lstStyle/>
+          <a:p>
+            <a:pPr marL="0" marR="0" indent="0" defTabSz="914400" eaLnBrk="1" fontAlgn="base" latinLnBrk="0" hangingPunct="1">
+              <a:lnSpc>
+                <a:spcPct val="100000"/>
+              </a:lnSpc>
+              <a:spcBef>
+                <a:spcPts val="0"/>
+              </a:spcBef>
+              <a:spcAft>
+                <a:spcPct val="0"/>
+              </a:spcAft>
+              <a:buClrTx/>
+              <a:buSzTx/>
+              <a:buFontTx/>
+              <a:buNone/>
+              <a:tabLst/>
+            </a:pPr>
+            <a:r>
+              <a:rPr lang="en-US" sz="1200" kern="0">
+                <a:solidFill>
+                  <a:srgbClr val="000000"/>
+                </a:solidFill>
+              </a:rPr>
+              <a:t>expose </a:t>
+            </a:r>
+          </a:p>
+          <a:p>
+            <a:pPr marL="0" marR="0" indent="0" defTabSz="914400" eaLnBrk="1" fontAlgn="base" latinLnBrk="0" hangingPunct="1">
+              <a:lnSpc>
+                <a:spcPct val="100000"/>
+              </a:lnSpc>
+              <a:spcBef>
+                <a:spcPts val="0"/>
+              </a:spcBef>
+              <a:spcAft>
+                <a:spcPct val="0"/>
+              </a:spcAft>
+              <a:buClrTx/>
+              <a:buSzTx/>
+              <a:buFontTx/>
+              <a:buNone/>
+              <a:tabLst/>
+            </a:pPr>
+            <a:r>
+              <a:rPr lang="en-US" sz="1200" kern="0">
+                <a:solidFill>
+                  <a:srgbClr val="000000"/>
+                </a:solidFill>
+              </a:rPr>
+              <a:t>API</a:t>
+            </a:r>
+            <a:endParaRPr kumimoji="0" lang="en-US" sz="1200" b="0" i="0" u="none" strike="noStrike" kern="0" cap="none" spc="0" normalizeH="0" baseline="0" noProof="0" dirty="0">
+              <a:ln>
+                <a:noFill/>
+              </a:ln>
+              <a:solidFill>
+                <a:srgbClr val="000000"/>
+              </a:solidFill>
+              <a:effectLst/>
+              <a:uLnTx/>
+              <a:uFillTx/>
+            </a:endParaRPr>
+          </a:p>
+        </p:txBody>
+      </p:sp>
+      <p:cxnSp>
+        <p:nvCxnSpPr>
+          <p:cNvPr id="37" name="Gerade Verbindung mit Pfeil 36">
+            <a:extLst>
+              <a:ext uri="{FF2B5EF4-FFF2-40B4-BE49-F238E27FC236}">
+                <a16:creationId xmlns:a16="http://schemas.microsoft.com/office/drawing/2014/main" id="{31F4F60D-2961-3F24-A2E5-0046694BBF59}"/>
+              </a:ext>
+            </a:extLst>
+          </p:cNvPr>
+          <p:cNvCxnSpPr>
+            <a:stCxn id="33" idx="1"/>
+            <a:endCxn id="30" idx="3"/>
+          </p:cNvCxnSpPr>
+          <p:nvPr/>
+        </p:nvCxnSpPr>
+        <p:spPr>
+          <a:xfrm flipH="1">
+            <a:off x="7339727" y="4820556"/>
+            <a:ext cx="1840222" cy="0"/>
+          </a:xfrm>
+          <a:prstGeom prst="straightConnector1">
+            <a:avLst/>
+          </a:prstGeom>
+          <a:noFill/>
+          <a:ln w="6350" cap="rnd" cmpd="sng" algn="ctr">
+            <a:solidFill>
+              <a:schemeClr val="bg2"/>
+            </a:solidFill>
+            <a:prstDash val="solid"/>
+            <a:round/>
+            <a:tailEnd type="triangle"/>
+          </a:ln>
+          <a:effectLst/>
+        </p:spPr>
+      </p:cxnSp>
+      <p:sp>
+        <p:nvSpPr>
+          <p:cNvPr id="38" name="Textfeld 37">
+            <a:extLst>
+              <a:ext uri="{FF2B5EF4-FFF2-40B4-BE49-F238E27FC236}">
+                <a16:creationId xmlns:a16="http://schemas.microsoft.com/office/drawing/2014/main" id="{FE96C041-3DB4-A02B-1EAD-9316473E4F71}"/>
+              </a:ext>
+            </a:extLst>
+          </p:cNvPr>
+          <p:cNvSpPr txBox="1"/>
+          <p:nvPr/>
+        </p:nvSpPr>
+        <p:spPr>
+          <a:xfrm>
+            <a:off x="7939909" y="4634427"/>
+            <a:ext cx="737381" cy="184666"/>
+          </a:xfrm>
+          <a:prstGeom prst="rect">
+            <a:avLst/>
+          </a:prstGeom>
+          <a:noFill/>
+        </p:spPr>
+        <p:txBody>
+          <a:bodyPr wrap="none" lIns="0" tIns="0" rIns="0" bIns="0" rtlCol="0">
+            <a:spAutoFit/>
+          </a:bodyPr>
+          <a:lstStyle/>
+          <a:p>
+            <a:pPr marL="0" marR="0" indent="0" defTabSz="914400" eaLnBrk="1" fontAlgn="base" latinLnBrk="0" hangingPunct="1">
+              <a:lnSpc>
+                <a:spcPct val="100000"/>
+              </a:lnSpc>
+              <a:spcBef>
+                <a:spcPts val="0"/>
+              </a:spcBef>
+              <a:spcAft>
+                <a:spcPct val="0"/>
+              </a:spcAft>
+              <a:buClrTx/>
+              <a:buSzTx/>
+              <a:buFontTx/>
+              <a:buNone/>
+              <a:tabLst/>
+            </a:pPr>
+            <a:r>
+              <a:rPr lang="en-US" sz="1200" kern="0">
+                <a:solidFill>
+                  <a:srgbClr val="000000"/>
+                </a:solidFill>
+              </a:rPr>
+              <a:t>access API</a:t>
+            </a:r>
+            <a:endParaRPr kumimoji="0" lang="en-US" sz="1200" b="0" i="0" u="none" strike="noStrike" kern="0" cap="none" spc="0" normalizeH="0" baseline="0" noProof="0" dirty="0">
+              <a:ln>
+                <a:noFill/>
+              </a:ln>
+              <a:solidFill>
+                <a:srgbClr val="000000"/>
+              </a:solidFill>
+              <a:effectLst/>
+              <a:uLnTx/>
+              <a:uFillTx/>
+            </a:endParaRPr>
+          </a:p>
+        </p:txBody>
+      </p:sp>
+      <p:sp>
+        <p:nvSpPr>
+          <p:cNvPr id="39" name="Rechteck 38">
+            <a:extLst>
+              <a:ext uri="{FF2B5EF4-FFF2-40B4-BE49-F238E27FC236}">
+                <a16:creationId xmlns:a16="http://schemas.microsoft.com/office/drawing/2014/main" id="{C647F991-2DB1-7E3C-15C9-48957F88C525}"/>
+              </a:ext>
+            </a:extLst>
+          </p:cNvPr>
+          <p:cNvSpPr/>
+          <p:nvPr/>
+        </p:nvSpPr>
+        <p:spPr>
+          <a:xfrm>
+            <a:off x="2926458" y="4450586"/>
+            <a:ext cx="1397925" cy="740441"/>
+          </a:xfrm>
+          <a:prstGeom prst="rect">
+            <a:avLst/>
+          </a:prstGeom>
+          <a:solidFill>
+            <a:schemeClr val="bg2"/>
+          </a:solidFill>
+          <a:ln w="12700" cap="flat" cmpd="sng" algn="ctr">
+            <a:noFill/>
+            <a:prstDash val="solid"/>
+          </a:ln>
+          <a:effectLst/>
+        </p:spPr>
+        <p:txBody>
+          <a:bodyPr rot="0" spcFirstLastPara="0" vertOverflow="overflow" horzOverflow="overflow" vert="horz" wrap="square" lIns="90000" tIns="90000" rIns="90000" bIns="90000" numCol="1" spcCol="0" rtlCol="0" fromWordArt="0" anchor="ctr" anchorCtr="0" forceAA="0" compatLnSpc="1">
+            <a:prstTxWarp prst="textNoShape">
+              <a:avLst/>
+            </a:prstTxWarp>
+            <a:noAutofit/>
+          </a:bodyPr>
+          <a:lstStyle/>
+          <a:p>
+            <a:pPr marL="0" marR="0" indent="0" algn="ctr" defTabSz="914400" eaLnBrk="1" fontAlgn="base" latinLnBrk="0" hangingPunct="1">
+              <a:lnSpc>
+                <a:spcPct val="100000"/>
+              </a:lnSpc>
+              <a:spcBef>
+                <a:spcPts val="0"/>
+              </a:spcBef>
+              <a:spcAft>
+                <a:spcPct val="0"/>
+              </a:spcAft>
+              <a:buClrTx/>
+              <a:buSzTx/>
+              <a:buFontTx/>
+              <a:buNone/>
+              <a:tabLst/>
+            </a:pPr>
+            <a:r>
+              <a:rPr kumimoji="0" lang="en-US" sz="1000" b="0" i="0" u="none" strike="noStrike" kern="0" cap="none" spc="0" normalizeH="0" baseline="0" noProof="0">
+                <a:ln>
+                  <a:noFill/>
+                </a:ln>
+                <a:effectLst/>
+                <a:uLnTx/>
+                <a:uFillTx/>
+                <a:latin typeface="Courier New" panose="02070309020205020404" pitchFamily="49" charset="0"/>
+                <a:cs typeface="Courier New" panose="02070309020205020404" pitchFamily="49" charset="0"/>
+              </a:rPr>
+              <a:t>*_ifc.py</a:t>
+            </a:r>
+          </a:p>
+          <a:p>
+            <a:pPr algn="ctr" fontAlgn="base">
+              <a:spcAft>
+                <a:spcPct val="0"/>
+              </a:spcAft>
+            </a:pPr>
+            <a:r>
+              <a:rPr kumimoji="0" lang="en-US" sz="1200" b="0" i="0" u="none" strike="noStrike" kern="0" cap="none" spc="0" normalizeH="0" baseline="0" noProof="0">
+                <a:ln>
+                  <a:noFill/>
+                </a:ln>
+                <a:effectLst/>
+                <a:uLnTx/>
+                <a:uFillTx/>
+                <a:latin typeface="Tahoma"/>
+                <a:ea typeface="+mn-ea"/>
+                <a:cs typeface="Tahoma" pitchFamily="34" charset="0"/>
+              </a:rPr>
+              <a:t>Interface module</a:t>
+            </a:r>
+          </a:p>
+        </p:txBody>
+      </p:sp>
+      <p:pic>
+        <p:nvPicPr>
+          <p:cNvPr id="40" name="Picture 2" descr="Python (programming language) - Wikipedia">
+            <a:extLst>
+              <a:ext uri="{FF2B5EF4-FFF2-40B4-BE49-F238E27FC236}">
+                <a16:creationId xmlns:a16="http://schemas.microsoft.com/office/drawing/2014/main" id="{D88FC485-70C5-363B-F50D-BB8B020740CE}"/>
+              </a:ext>
+            </a:extLst>
+          </p:cNvPr>
+          <p:cNvPicPr>
+            <a:picLocks noChangeAspect="1" noChangeArrowheads="1"/>
+          </p:cNvPicPr>
+          <p:nvPr/>
+        </p:nvPicPr>
+        <p:blipFill>
+          <a:blip r:embed="rId3" cstate="print">
+            <a:extLst>
+              <a:ext uri="{28A0092B-C50C-407E-A947-70E740481C1C}">
+                <a14:useLocalDpi xmlns:a14="http://schemas.microsoft.com/office/drawing/2010/main" val="0"/>
+              </a:ext>
+            </a:extLst>
+          </a:blip>
+          <a:srcRect/>
+          <a:stretch>
+            <a:fillRect/>
+          </a:stretch>
+        </p:blipFill>
+        <p:spPr bwMode="auto">
+          <a:xfrm>
+            <a:off x="4067047" y="5067919"/>
+            <a:ext cx="458665" cy="503413"/>
+          </a:xfrm>
+          <a:prstGeom prst="rect">
+            <a:avLst/>
+          </a:prstGeom>
+          <a:noFill/>
+          <a:extLst>
+            <a:ext uri="{909E8E84-426E-40DD-AFC4-6F175D3DCCD1}">
+              <a14:hiddenFill xmlns:a14="http://schemas.microsoft.com/office/drawing/2010/main">
+                <a:solidFill>
+                  <a:srgbClr val="FFFFFF"/>
+                </a:solidFill>
+              </a14:hiddenFill>
+            </a:ext>
+          </a:extLst>
+        </p:spPr>
+      </p:pic>
+      <p:cxnSp>
+        <p:nvCxnSpPr>
+          <p:cNvPr id="41" name="Verbinder: gewinkelt 40">
+            <a:extLst>
+              <a:ext uri="{FF2B5EF4-FFF2-40B4-BE49-F238E27FC236}">
+                <a16:creationId xmlns:a16="http://schemas.microsoft.com/office/drawing/2014/main" id="{7388123D-AFFF-4BB3-C424-3DAAFE76C5E1}"/>
+              </a:ext>
+            </a:extLst>
+          </p:cNvPr>
+          <p:cNvCxnSpPr>
+            <a:cxnSpLocks/>
+            <a:stCxn id="30" idx="1"/>
+            <a:endCxn id="39" idx="3"/>
+          </p:cNvCxnSpPr>
+          <p:nvPr/>
+        </p:nvCxnSpPr>
+        <p:spPr>
+          <a:xfrm rot="10800000" flipV="1">
+            <a:off x="4324383" y="4820555"/>
+            <a:ext cx="2216916" cy="251"/>
+          </a:xfrm>
+          <a:prstGeom prst="bentConnector3">
+            <a:avLst>
+              <a:gd name="adj1" fmla="val 50000"/>
+            </a:avLst>
+          </a:prstGeom>
+          <a:noFill/>
+          <a:ln w="6350" cap="rnd" cmpd="sng" algn="ctr">
+            <a:solidFill>
+              <a:schemeClr val="bg2"/>
+            </a:solidFill>
+            <a:prstDash val="solid"/>
+            <a:round/>
+            <a:tailEnd type="triangle"/>
+          </a:ln>
+          <a:effectLst/>
+        </p:spPr>
+      </p:cxnSp>
+      <p:sp>
+        <p:nvSpPr>
+          <p:cNvPr id="42" name="Textfeld 41">
+            <a:extLst>
+              <a:ext uri="{FF2B5EF4-FFF2-40B4-BE49-F238E27FC236}">
+                <a16:creationId xmlns:a16="http://schemas.microsoft.com/office/drawing/2014/main" id="{F1B4A148-093F-EC0E-542E-1DBD5370213B}"/>
+              </a:ext>
+            </a:extLst>
+          </p:cNvPr>
+          <p:cNvSpPr txBox="1"/>
+          <p:nvPr/>
+        </p:nvSpPr>
+        <p:spPr>
+          <a:xfrm>
+            <a:off x="6649264" y="2370827"/>
+            <a:ext cx="229230" cy="184666"/>
+          </a:xfrm>
+          <a:prstGeom prst="rect">
+            <a:avLst/>
+          </a:prstGeom>
+          <a:noFill/>
+        </p:spPr>
+        <p:txBody>
+          <a:bodyPr wrap="none" lIns="0" tIns="0" rIns="0" bIns="0" rtlCol="0">
+            <a:spAutoFit/>
+          </a:bodyPr>
+          <a:lstStyle/>
+          <a:p>
+            <a:pPr marL="0" marR="0" indent="0" defTabSz="914400" eaLnBrk="1" fontAlgn="base" latinLnBrk="0" hangingPunct="1">
+              <a:lnSpc>
+                <a:spcPct val="100000"/>
+              </a:lnSpc>
+              <a:spcBef>
+                <a:spcPts val="0"/>
+              </a:spcBef>
+              <a:spcAft>
+                <a:spcPct val="0"/>
+              </a:spcAft>
+              <a:buClrTx/>
+              <a:buSzTx/>
+              <a:buFontTx/>
+              <a:buNone/>
+              <a:tabLst/>
+            </a:pPr>
+            <a:r>
+              <a:rPr kumimoji="0" lang="en-US" sz="1200" b="0" i="0" u="none" strike="noStrike" kern="0" cap="none" spc="0" normalizeH="0" baseline="0" noProof="0">
+                <a:ln>
+                  <a:noFill/>
+                </a:ln>
+                <a:solidFill>
+                  <a:srgbClr val="000000"/>
+                </a:solidFill>
+                <a:effectLst/>
+                <a:uLnTx/>
+                <a:uFillTx/>
+              </a:rPr>
+              <a:t>run</a:t>
+            </a:r>
+            <a:endParaRPr kumimoji="0" lang="en-US" sz="1200" b="0" i="0" u="none" strike="noStrike" kern="0" cap="none" spc="0" normalizeH="0" baseline="0" noProof="0" dirty="0">
+              <a:ln>
+                <a:noFill/>
+              </a:ln>
+              <a:solidFill>
+                <a:srgbClr val="000000"/>
+              </a:solidFill>
+              <a:effectLst/>
+              <a:uLnTx/>
+              <a:uFillTx/>
+            </a:endParaRPr>
+          </a:p>
+        </p:txBody>
+      </p:sp>
+      <p:sp>
+        <p:nvSpPr>
+          <p:cNvPr id="43" name="Textfeld 42">
+            <a:extLst>
+              <a:ext uri="{FF2B5EF4-FFF2-40B4-BE49-F238E27FC236}">
+                <a16:creationId xmlns:a16="http://schemas.microsoft.com/office/drawing/2014/main" id="{F283148A-CC78-691B-0C84-0BDFB7A9CDB5}"/>
+              </a:ext>
+            </a:extLst>
+          </p:cNvPr>
+          <p:cNvSpPr txBox="1"/>
+          <p:nvPr/>
+        </p:nvSpPr>
+        <p:spPr>
+          <a:xfrm>
+            <a:off x="5651038" y="4635890"/>
+            <a:ext cx="604333" cy="184666"/>
+          </a:xfrm>
+          <a:prstGeom prst="rect">
+            <a:avLst/>
+          </a:prstGeom>
+          <a:noFill/>
+        </p:spPr>
+        <p:txBody>
+          <a:bodyPr wrap="none" lIns="0" tIns="0" rIns="0" bIns="0" rtlCol="0">
+            <a:spAutoFit/>
+          </a:bodyPr>
+          <a:lstStyle/>
+          <a:p>
+            <a:pPr marL="0" marR="0" indent="0" defTabSz="914400" eaLnBrk="1" fontAlgn="base" latinLnBrk="0" hangingPunct="1">
+              <a:lnSpc>
+                <a:spcPct val="100000"/>
+              </a:lnSpc>
+              <a:spcBef>
+                <a:spcPts val="0"/>
+              </a:spcBef>
+              <a:spcAft>
+                <a:spcPct val="0"/>
+              </a:spcAft>
+              <a:buClrTx/>
+              <a:buSzTx/>
+              <a:buFontTx/>
+              <a:buNone/>
+              <a:tabLst/>
+            </a:pPr>
+            <a:r>
+              <a:rPr lang="en-US" sz="1200" kern="0">
+                <a:solidFill>
+                  <a:srgbClr val="000000"/>
+                </a:solidFill>
+              </a:rPr>
+              <a:t>generate</a:t>
+            </a:r>
+            <a:endParaRPr kumimoji="0" lang="en-US" sz="1200" b="0" i="0" u="none" strike="noStrike" kern="0" cap="none" spc="0" normalizeH="0" baseline="0" noProof="0" dirty="0">
+              <a:ln>
+                <a:noFill/>
+              </a:ln>
+              <a:solidFill>
+                <a:srgbClr val="000000"/>
+              </a:solidFill>
+              <a:effectLst/>
+              <a:uLnTx/>
+              <a:uFillTx/>
+            </a:endParaRPr>
+          </a:p>
+        </p:txBody>
+      </p:sp>
+      <p:sp>
+        <p:nvSpPr>
+          <p:cNvPr id="44" name="Rechteck 43">
+            <a:extLst>
+              <a:ext uri="{FF2B5EF4-FFF2-40B4-BE49-F238E27FC236}">
+                <a16:creationId xmlns:a16="http://schemas.microsoft.com/office/drawing/2014/main" id="{CF1FC152-E602-8430-A215-E6901590B894}"/>
+              </a:ext>
+            </a:extLst>
+          </p:cNvPr>
+          <p:cNvSpPr/>
+          <p:nvPr/>
+        </p:nvSpPr>
+        <p:spPr>
+          <a:xfrm>
+            <a:off x="4385338" y="2207198"/>
+            <a:ext cx="1710662" cy="740441"/>
+          </a:xfrm>
+          <a:prstGeom prst="rect">
+            <a:avLst/>
+          </a:prstGeom>
+          <a:solidFill>
+            <a:schemeClr val="bg2"/>
+          </a:solidFill>
+          <a:ln w="12700" cap="flat" cmpd="sng" algn="ctr">
+            <a:noFill/>
+            <a:prstDash val="solid"/>
+          </a:ln>
+          <a:effectLst/>
+        </p:spPr>
+        <p:txBody>
+          <a:bodyPr rot="0" spcFirstLastPara="0" vertOverflow="overflow" horzOverflow="overflow" vert="horz" wrap="square" lIns="90000" tIns="90000" rIns="90000" bIns="90000" numCol="1" spcCol="0" rtlCol="0" fromWordArt="0" anchor="ctr" anchorCtr="0" forceAA="0" compatLnSpc="1">
+            <a:prstTxWarp prst="textNoShape">
+              <a:avLst/>
+            </a:prstTxWarp>
+            <a:noAutofit/>
+          </a:bodyPr>
+          <a:lstStyle/>
+          <a:p>
+            <a:pPr marL="0" marR="0" indent="0" algn="ctr" defTabSz="914400" eaLnBrk="1" fontAlgn="base" latinLnBrk="0" hangingPunct="1">
+              <a:lnSpc>
+                <a:spcPct val="100000"/>
+              </a:lnSpc>
+              <a:spcBef>
+                <a:spcPts val="0"/>
+              </a:spcBef>
+              <a:spcAft>
+                <a:spcPct val="0"/>
+              </a:spcAft>
+              <a:buClrTx/>
+              <a:buSzTx/>
+              <a:buFontTx/>
+              <a:buNone/>
+              <a:tabLst/>
+            </a:pPr>
+            <a:r>
+              <a:rPr kumimoji="0" lang="en-US" sz="1000" b="0" i="0" u="none" strike="noStrike" kern="0" cap="none" spc="0" normalizeH="0" baseline="0" noProof="0">
+                <a:ln>
+                  <a:noFill/>
+                </a:ln>
+                <a:effectLst/>
+                <a:uLnTx/>
+                <a:uFillTx/>
+                <a:latin typeface="Courier New" panose="02070309020205020404" pitchFamily="49" charset="0"/>
+                <a:cs typeface="Courier New" panose="02070309020205020404" pitchFamily="49" charset="0"/>
+              </a:rPr>
+              <a:t>*_template.py</a:t>
+            </a:r>
+          </a:p>
+          <a:p>
+            <a:pPr marL="0" marR="0" indent="0" algn="ctr" defTabSz="914400" eaLnBrk="1" fontAlgn="base" latinLnBrk="0" hangingPunct="1">
+              <a:lnSpc>
+                <a:spcPct val="100000"/>
+              </a:lnSpc>
+              <a:spcBef>
+                <a:spcPts val="0"/>
+              </a:spcBef>
+              <a:spcAft>
+                <a:spcPct val="0"/>
+              </a:spcAft>
+              <a:buClrTx/>
+              <a:buSzTx/>
+              <a:buFontTx/>
+              <a:buNone/>
+              <a:tabLst/>
+            </a:pPr>
+            <a:r>
+              <a:rPr kumimoji="0" lang="en-US" sz="1200" b="0" i="0" u="none" strike="noStrike" kern="0" cap="none" spc="0" normalizeH="0" baseline="0" noProof="0">
+                <a:ln>
+                  <a:noFill/>
+                </a:ln>
+                <a:effectLst/>
+                <a:uLnTx/>
+                <a:uFillTx/>
+                <a:latin typeface="Tahoma"/>
+                <a:ea typeface="+mn-ea"/>
+                <a:cs typeface="Tahoma" pitchFamily="34" charset="0"/>
+              </a:rPr>
+              <a:t>Custom application</a:t>
+            </a:r>
+            <a:endParaRPr kumimoji="0" lang="en-US" sz="1200" b="0" i="0" u="none" strike="noStrike" kern="0" cap="none" spc="0" normalizeH="0" baseline="0" noProof="0" dirty="0" err="1">
+              <a:ln>
+                <a:noFill/>
+              </a:ln>
+              <a:effectLst/>
+              <a:uLnTx/>
+              <a:uFillTx/>
+              <a:latin typeface="Tahoma"/>
+              <a:ea typeface="+mn-ea"/>
+              <a:cs typeface="Tahoma" pitchFamily="34" charset="0"/>
+            </a:endParaRPr>
+          </a:p>
+        </p:txBody>
+      </p:sp>
+      <p:pic>
+        <p:nvPicPr>
+          <p:cNvPr id="45" name="Picture 2" descr="Python (programming language) - Wikipedia">
+            <a:extLst>
+              <a:ext uri="{FF2B5EF4-FFF2-40B4-BE49-F238E27FC236}">
+                <a16:creationId xmlns:a16="http://schemas.microsoft.com/office/drawing/2014/main" id="{348294E7-8CC8-EBC0-9A36-FFB361FC9338}"/>
+              </a:ext>
+            </a:extLst>
+          </p:cNvPr>
+          <p:cNvPicPr>
+            <a:picLocks noChangeAspect="1" noChangeArrowheads="1"/>
+          </p:cNvPicPr>
+          <p:nvPr/>
+        </p:nvPicPr>
+        <p:blipFill>
+          <a:blip r:embed="rId3" cstate="print">
+            <a:extLst>
+              <a:ext uri="{28A0092B-C50C-407E-A947-70E740481C1C}">
+                <a14:useLocalDpi xmlns:a14="http://schemas.microsoft.com/office/drawing/2010/main" val="0"/>
+              </a:ext>
+            </a:extLst>
+          </a:blip>
+          <a:srcRect/>
+          <a:stretch>
+            <a:fillRect/>
+          </a:stretch>
+        </p:blipFill>
+        <p:spPr bwMode="auto">
+          <a:xfrm>
+            <a:off x="5703545" y="2718233"/>
+            <a:ext cx="458665" cy="503413"/>
+          </a:xfrm>
+          <a:prstGeom prst="rect">
+            <a:avLst/>
+          </a:prstGeom>
+          <a:noFill/>
+          <a:extLst>
+            <a:ext uri="{909E8E84-426E-40DD-AFC4-6F175D3DCCD1}">
+              <a14:hiddenFill xmlns:a14="http://schemas.microsoft.com/office/drawing/2010/main">
+                <a:solidFill>
+                  <a:srgbClr val="FFFFFF"/>
+                </a:solidFill>
+              </a14:hiddenFill>
+            </a:ext>
+          </a:extLst>
+        </p:spPr>
+      </p:pic>
+      <p:sp>
+        <p:nvSpPr>
+          <p:cNvPr id="46" name="Rechteck 45">
+            <a:extLst>
+              <a:ext uri="{FF2B5EF4-FFF2-40B4-BE49-F238E27FC236}">
+                <a16:creationId xmlns:a16="http://schemas.microsoft.com/office/drawing/2014/main" id="{EEC5CD27-DAEF-DFC0-844D-371058E7225F}"/>
+              </a:ext>
+            </a:extLst>
+          </p:cNvPr>
+          <p:cNvSpPr/>
+          <p:nvPr/>
+        </p:nvSpPr>
+        <p:spPr>
+          <a:xfrm>
+            <a:off x="2103588" y="2793646"/>
+            <a:ext cx="1397925" cy="1109252"/>
+          </a:xfrm>
+          <a:prstGeom prst="rect">
+            <a:avLst/>
+          </a:prstGeom>
+          <a:solidFill>
+            <a:schemeClr val="bg2"/>
+          </a:solidFill>
+          <a:ln w="12700" cap="flat" cmpd="sng" algn="ctr">
+            <a:noFill/>
+            <a:prstDash val="solid"/>
+          </a:ln>
+          <a:effectLst/>
+        </p:spPr>
+        <p:txBody>
+          <a:bodyPr rot="0" spcFirstLastPara="0" vertOverflow="overflow" horzOverflow="overflow" vert="horz" wrap="square" lIns="90000" tIns="90000" rIns="90000" bIns="90000" numCol="1" spcCol="0" rtlCol="0" fromWordArt="0" anchor="ctr" anchorCtr="0" forceAA="0" compatLnSpc="1">
+            <a:prstTxWarp prst="textNoShape">
+              <a:avLst/>
+            </a:prstTxWarp>
+            <a:noAutofit/>
+          </a:bodyPr>
+          <a:lstStyle/>
+          <a:p>
+            <a:pPr algn="ctr" fontAlgn="base">
+              <a:spcAft>
+                <a:spcPct val="0"/>
+              </a:spcAft>
+            </a:pPr>
+            <a:r>
+              <a:rPr kumimoji="0" lang="en-US" sz="1200" b="0" i="0" u="none" strike="noStrike" kern="0" cap="none" spc="0" normalizeH="0" baseline="0" noProof="0">
+                <a:ln>
+                  <a:noFill/>
+                </a:ln>
+                <a:effectLst/>
+                <a:uLnTx/>
+                <a:uFillTx/>
+                <a:latin typeface="Tahoma"/>
+                <a:ea typeface="+mn-ea"/>
+                <a:cs typeface="Tahoma" pitchFamily="34" charset="0"/>
+              </a:rPr>
+              <a:t>IDE</a:t>
+            </a:r>
+          </a:p>
+          <a:p>
+            <a:pPr marL="171450" indent="-171450" fontAlgn="base">
+              <a:spcAft>
+                <a:spcPct val="0"/>
+              </a:spcAft>
+              <a:buFont typeface="Arial" panose="020B0604020202020204" pitchFamily="34" charset="0"/>
+              <a:buChar char="•"/>
+            </a:pPr>
+            <a:r>
+              <a:rPr lang="en-US" sz="1000" kern="0">
+                <a:latin typeface="Tahoma"/>
+                <a:cs typeface="Tahoma" pitchFamily="34" charset="0"/>
+              </a:rPr>
+              <a:t>Code</a:t>
+            </a:r>
+          </a:p>
+          <a:p>
+            <a:pPr marL="171450" indent="-171450" fontAlgn="base">
+              <a:spcAft>
+                <a:spcPct val="0"/>
+              </a:spcAft>
+              <a:buFont typeface="Arial" panose="020B0604020202020204" pitchFamily="34" charset="0"/>
+              <a:buChar char="•"/>
+            </a:pPr>
+            <a:r>
+              <a:rPr lang="en-US" sz="1000" kern="0">
+                <a:latin typeface="Tahoma"/>
+                <a:cs typeface="Tahoma" pitchFamily="34" charset="0"/>
+              </a:rPr>
+              <a:t>Autocompletion</a:t>
+            </a:r>
+          </a:p>
+          <a:p>
+            <a:pPr marL="171450" indent="-171450" fontAlgn="base">
+              <a:spcAft>
+                <a:spcPct val="0"/>
+              </a:spcAft>
+              <a:buFont typeface="Arial" panose="020B0604020202020204" pitchFamily="34" charset="0"/>
+              <a:buChar char="•"/>
+            </a:pPr>
+            <a:r>
+              <a:rPr lang="en-US" sz="1000" kern="0">
+                <a:latin typeface="Tahoma"/>
+                <a:cs typeface="Tahoma" pitchFamily="34" charset="0"/>
+              </a:rPr>
+              <a:t>Debug</a:t>
+            </a:r>
+          </a:p>
+          <a:p>
+            <a:pPr marL="171450" indent="-171450" fontAlgn="base">
+              <a:spcAft>
+                <a:spcPct val="0"/>
+              </a:spcAft>
+              <a:buFont typeface="Arial" panose="020B0604020202020204" pitchFamily="34" charset="0"/>
+              <a:buChar char="•"/>
+            </a:pPr>
+            <a:r>
+              <a:rPr lang="en-US" sz="1000" kern="0">
+                <a:latin typeface="Tahoma"/>
+                <a:cs typeface="Tahoma" pitchFamily="34" charset="0"/>
+              </a:rPr>
+              <a:t>… </a:t>
+            </a:r>
+            <a:endParaRPr kumimoji="0" lang="en-US" sz="1200" b="0" i="0" u="none" strike="noStrike" kern="0" cap="none" spc="0" normalizeH="0" baseline="0" noProof="0">
+              <a:ln>
+                <a:noFill/>
+              </a:ln>
+              <a:effectLst/>
+              <a:uLnTx/>
+              <a:uFillTx/>
+              <a:latin typeface="Tahoma"/>
+              <a:ea typeface="+mn-ea"/>
+              <a:cs typeface="Tahoma" pitchFamily="34" charset="0"/>
+            </a:endParaRPr>
+          </a:p>
+        </p:txBody>
+      </p:sp>
+      <p:pic>
+        <p:nvPicPr>
+          <p:cNvPr id="47" name="Picture 10" descr="Datei Typ vscode - Dateien und Ordner Symbole">
+            <a:extLst>
+              <a:ext uri="{FF2B5EF4-FFF2-40B4-BE49-F238E27FC236}">
+                <a16:creationId xmlns:a16="http://schemas.microsoft.com/office/drawing/2014/main" id="{53574D8C-0B24-11C5-B48C-E52D07B0D76B}"/>
+              </a:ext>
+            </a:extLst>
+          </p:cNvPr>
+          <p:cNvPicPr>
+            <a:picLocks noChangeAspect="1" noChangeArrowheads="1"/>
+          </p:cNvPicPr>
+          <p:nvPr/>
+        </p:nvPicPr>
+        <p:blipFill>
+          <a:blip r:embed="rId5" cstate="print">
+            <a:extLst>
+              <a:ext uri="{28A0092B-C50C-407E-A947-70E740481C1C}">
+                <a14:useLocalDpi xmlns:a14="http://schemas.microsoft.com/office/drawing/2010/main" val="0"/>
+              </a:ext>
+            </a:extLst>
+          </a:blip>
+          <a:srcRect/>
+          <a:stretch>
+            <a:fillRect/>
+          </a:stretch>
+        </p:blipFill>
+        <p:spPr bwMode="auto">
+          <a:xfrm>
+            <a:off x="3215235" y="3524201"/>
+            <a:ext cx="617709" cy="617709"/>
+          </a:xfrm>
+          <a:prstGeom prst="rect">
+            <a:avLst/>
+          </a:prstGeom>
+          <a:noFill/>
+          <a:extLst>
+            <a:ext uri="{909E8E84-426E-40DD-AFC4-6F175D3DCCD1}">
+              <a14:hiddenFill xmlns:a14="http://schemas.microsoft.com/office/drawing/2010/main">
+                <a:solidFill>
+                  <a:srgbClr val="FFFFFF"/>
+                </a:solidFill>
+              </a14:hiddenFill>
+            </a:ext>
+          </a:extLst>
+        </p:spPr>
+      </p:pic>
+      <p:cxnSp>
+        <p:nvCxnSpPr>
+          <p:cNvPr id="48" name="Verbinder: gewinkelt 47">
+            <a:extLst>
+              <a:ext uri="{FF2B5EF4-FFF2-40B4-BE49-F238E27FC236}">
+                <a16:creationId xmlns:a16="http://schemas.microsoft.com/office/drawing/2014/main" id="{528BFE1B-251C-68B3-F40F-AA9FA82A14E9}"/>
+              </a:ext>
+            </a:extLst>
+          </p:cNvPr>
+          <p:cNvCxnSpPr>
+            <a:cxnSpLocks/>
+            <a:stCxn id="39" idx="1"/>
+            <a:endCxn id="46" idx="2"/>
+          </p:cNvCxnSpPr>
+          <p:nvPr/>
+        </p:nvCxnSpPr>
+        <p:spPr>
+          <a:xfrm rot="10800000">
+            <a:off x="2802552" y="3902899"/>
+            <a:ext cx="123907" cy="917909"/>
+          </a:xfrm>
+          <a:prstGeom prst="bentConnector2">
+            <a:avLst/>
+          </a:prstGeom>
+          <a:noFill/>
+          <a:ln w="6350" cap="rnd" cmpd="sng" algn="ctr">
+            <a:solidFill>
+              <a:schemeClr val="bg2"/>
+            </a:solidFill>
+            <a:prstDash val="solid"/>
+            <a:round/>
+            <a:tailEnd type="triangle"/>
+          </a:ln>
+          <a:effectLst/>
+        </p:spPr>
+      </p:cxnSp>
+      <p:sp>
+        <p:nvSpPr>
+          <p:cNvPr id="49" name="Textfeld 48">
+            <a:extLst>
+              <a:ext uri="{FF2B5EF4-FFF2-40B4-BE49-F238E27FC236}">
+                <a16:creationId xmlns:a16="http://schemas.microsoft.com/office/drawing/2014/main" id="{C218FD4D-D8EA-6E19-F51D-024885892C94}"/>
+              </a:ext>
+            </a:extLst>
+          </p:cNvPr>
+          <p:cNvSpPr txBox="1"/>
+          <p:nvPr/>
+        </p:nvSpPr>
+        <p:spPr>
+          <a:xfrm>
+            <a:off x="2869162" y="3953076"/>
+            <a:ext cx="440826" cy="184666"/>
+          </a:xfrm>
+          <a:prstGeom prst="rect">
+            <a:avLst/>
+          </a:prstGeom>
+          <a:noFill/>
+        </p:spPr>
+        <p:txBody>
+          <a:bodyPr wrap="none" lIns="0" tIns="0" rIns="0" bIns="0" rtlCol="0">
+            <a:spAutoFit/>
+          </a:bodyPr>
+          <a:lstStyle/>
+          <a:p>
+            <a:pPr marL="0" marR="0" indent="0" defTabSz="914400" eaLnBrk="1" fontAlgn="base" latinLnBrk="0" hangingPunct="1">
+              <a:lnSpc>
+                <a:spcPct val="100000"/>
+              </a:lnSpc>
+              <a:spcBef>
+                <a:spcPts val="0"/>
+              </a:spcBef>
+              <a:spcAft>
+                <a:spcPct val="0"/>
+              </a:spcAft>
+              <a:buClrTx/>
+              <a:buSzTx/>
+              <a:buFontTx/>
+              <a:buNone/>
+              <a:tabLst/>
+            </a:pPr>
+            <a:r>
+              <a:rPr lang="en-US" sz="1200" kern="0">
+                <a:solidFill>
+                  <a:srgbClr val="000000"/>
+                </a:solidFill>
+              </a:rPr>
+              <a:t>import</a:t>
+            </a:r>
+            <a:endParaRPr kumimoji="0" lang="en-US" sz="1200" b="0" i="0" u="none" strike="noStrike" kern="0" cap="none" spc="0" normalizeH="0" baseline="0" noProof="0" dirty="0">
+              <a:ln>
+                <a:noFill/>
+              </a:ln>
+              <a:solidFill>
+                <a:srgbClr val="000000"/>
+              </a:solidFill>
+              <a:effectLst/>
+              <a:uLnTx/>
+              <a:uFillTx/>
+            </a:endParaRPr>
+          </a:p>
+        </p:txBody>
+      </p:sp>
+      <p:cxnSp>
+        <p:nvCxnSpPr>
+          <p:cNvPr id="50" name="Verbinder: gewinkelt 49">
+            <a:extLst>
+              <a:ext uri="{FF2B5EF4-FFF2-40B4-BE49-F238E27FC236}">
+                <a16:creationId xmlns:a16="http://schemas.microsoft.com/office/drawing/2014/main" id="{51997A0B-4A34-87FA-8BD0-CB80F54DB396}"/>
+              </a:ext>
+            </a:extLst>
+          </p:cNvPr>
+          <p:cNvCxnSpPr>
+            <a:cxnSpLocks/>
+            <a:stCxn id="46" idx="0"/>
+            <a:endCxn id="44" idx="1"/>
+          </p:cNvCxnSpPr>
+          <p:nvPr/>
+        </p:nvCxnSpPr>
+        <p:spPr>
+          <a:xfrm rot="5400000" flipH="1" flipV="1">
+            <a:off x="3485831" y="1894140"/>
+            <a:ext cx="216227" cy="1582787"/>
+          </a:xfrm>
+          <a:prstGeom prst="bentConnector2">
+            <a:avLst/>
+          </a:prstGeom>
+          <a:noFill/>
+          <a:ln w="6350" cap="rnd" cmpd="sng" algn="ctr">
+            <a:solidFill>
+              <a:schemeClr val="bg2"/>
+            </a:solidFill>
+            <a:prstDash val="solid"/>
+            <a:round/>
+            <a:tailEnd type="triangle"/>
+          </a:ln>
+          <a:effectLst/>
+        </p:spPr>
+      </p:cxnSp>
+      <p:sp>
+        <p:nvSpPr>
+          <p:cNvPr id="51" name="Textfeld 50">
+            <a:extLst>
+              <a:ext uri="{FF2B5EF4-FFF2-40B4-BE49-F238E27FC236}">
+                <a16:creationId xmlns:a16="http://schemas.microsoft.com/office/drawing/2014/main" id="{97A8C4AA-AF80-FB57-E841-B8A6F94D6888}"/>
+              </a:ext>
+            </a:extLst>
+          </p:cNvPr>
+          <p:cNvSpPr txBox="1"/>
+          <p:nvPr/>
+        </p:nvSpPr>
+        <p:spPr>
+          <a:xfrm>
+            <a:off x="3463649" y="2390210"/>
+            <a:ext cx="320601" cy="184666"/>
+          </a:xfrm>
+          <a:prstGeom prst="rect">
+            <a:avLst/>
+          </a:prstGeom>
+          <a:noFill/>
+        </p:spPr>
+        <p:txBody>
+          <a:bodyPr wrap="none" lIns="0" tIns="0" rIns="0" bIns="0" rtlCol="0">
+            <a:spAutoFit/>
+          </a:bodyPr>
+          <a:lstStyle/>
+          <a:p>
+            <a:pPr marL="0" marR="0" indent="0" defTabSz="914400" eaLnBrk="1" fontAlgn="base" latinLnBrk="0" hangingPunct="1">
+              <a:lnSpc>
+                <a:spcPct val="100000"/>
+              </a:lnSpc>
+              <a:spcBef>
+                <a:spcPts val="0"/>
+              </a:spcBef>
+              <a:spcAft>
+                <a:spcPct val="0"/>
+              </a:spcAft>
+              <a:buClrTx/>
+              <a:buSzTx/>
+              <a:buFontTx/>
+              <a:buNone/>
+              <a:tabLst/>
+            </a:pPr>
+            <a:r>
+              <a:rPr kumimoji="0" lang="en-US" sz="1200" b="0" i="0" u="none" strike="noStrike" kern="0" cap="none" spc="0" normalizeH="0" baseline="0" noProof="0">
+                <a:ln>
+                  <a:noFill/>
+                </a:ln>
+                <a:solidFill>
+                  <a:srgbClr val="000000"/>
+                </a:solidFill>
+                <a:effectLst/>
+                <a:uLnTx/>
+                <a:uFillTx/>
+              </a:rPr>
+              <a:t>code</a:t>
+            </a:r>
+            <a:endParaRPr kumimoji="0" lang="en-US" sz="1200" b="0" i="0" u="none" strike="noStrike" kern="0" cap="none" spc="0" normalizeH="0" baseline="0" noProof="0" dirty="0">
+              <a:ln>
+                <a:noFill/>
+              </a:ln>
+              <a:solidFill>
+                <a:srgbClr val="000000"/>
+              </a:solidFill>
+              <a:effectLst/>
+              <a:uLnTx/>
+              <a:uFillTx/>
+            </a:endParaRPr>
+          </a:p>
+        </p:txBody>
+      </p:sp>
+      <p:pic>
+        <p:nvPicPr>
+          <p:cNvPr id="52" name="Picture 12">
+            <a:extLst>
+              <a:ext uri="{FF2B5EF4-FFF2-40B4-BE49-F238E27FC236}">
+                <a16:creationId xmlns:a16="http://schemas.microsoft.com/office/drawing/2014/main" id="{277D4A9A-5B9C-0C6D-2B2A-56027617C49C}"/>
+              </a:ext>
+            </a:extLst>
+          </p:cNvPr>
+          <p:cNvPicPr>
+            <a:picLocks noChangeAspect="1" noChangeArrowheads="1"/>
+          </p:cNvPicPr>
+          <p:nvPr/>
+        </p:nvPicPr>
+        <p:blipFill>
+          <a:blip r:embed="rId6" cstate="print">
+            <a:extLst>
+              <a:ext uri="{28A0092B-C50C-407E-A947-70E740481C1C}">
+                <a14:useLocalDpi xmlns:a14="http://schemas.microsoft.com/office/drawing/2010/main" val="0"/>
+              </a:ext>
+            </a:extLst>
+          </a:blip>
+          <a:srcRect/>
+          <a:stretch>
+            <a:fillRect/>
+          </a:stretch>
+        </p:blipFill>
+        <p:spPr bwMode="auto">
+          <a:xfrm>
+            <a:off x="1820023" y="3687704"/>
+            <a:ext cx="553243" cy="553243"/>
+          </a:xfrm>
+          <a:prstGeom prst="rect">
+            <a:avLst/>
+          </a:prstGeom>
+          <a:noFill/>
+          <a:extLst>
+            <a:ext uri="{909E8E84-426E-40DD-AFC4-6F175D3DCCD1}">
+              <a14:hiddenFill xmlns:a14="http://schemas.microsoft.com/office/drawing/2010/main">
+                <a:solidFill>
+                  <a:srgbClr val="FFFFFF"/>
+                </a:solidFill>
+              </a14:hiddenFill>
+            </a:ext>
+          </a:extLst>
+        </p:spPr>
+      </p:pic>
+      <p:cxnSp>
+        <p:nvCxnSpPr>
+          <p:cNvPr id="53" name="Verbinder: gewinkelt 52">
+            <a:extLst>
+              <a:ext uri="{FF2B5EF4-FFF2-40B4-BE49-F238E27FC236}">
+                <a16:creationId xmlns:a16="http://schemas.microsoft.com/office/drawing/2014/main" id="{26DAB490-54B1-2547-6416-DBB061C6FDC4}"/>
+              </a:ext>
+            </a:extLst>
+          </p:cNvPr>
+          <p:cNvCxnSpPr>
+            <a:stCxn id="44" idx="3"/>
+            <a:endCxn id="29" idx="1"/>
+          </p:cNvCxnSpPr>
+          <p:nvPr/>
+        </p:nvCxnSpPr>
+        <p:spPr>
+          <a:xfrm flipV="1">
+            <a:off x="6096000" y="2574876"/>
+            <a:ext cx="1416206" cy="2543"/>
+          </a:xfrm>
+          <a:prstGeom prst="bentConnector3">
+            <a:avLst/>
+          </a:prstGeom>
+          <a:noFill/>
+          <a:ln w="6350" cap="rnd" cmpd="sng" algn="ctr">
+            <a:solidFill>
+              <a:schemeClr val="bg2"/>
+            </a:solidFill>
+            <a:prstDash val="solid"/>
+            <a:round/>
+            <a:tailEnd type="triangle"/>
+          </a:ln>
+          <a:effectLst/>
+        </p:spPr>
+      </p:cxnSp>
+      <p:pic>
+        <p:nvPicPr>
+          <p:cNvPr id="4" name="Grafik 3">
+            <a:extLst>
+              <a:ext uri="{FF2B5EF4-FFF2-40B4-BE49-F238E27FC236}">
+                <a16:creationId xmlns:a16="http://schemas.microsoft.com/office/drawing/2014/main" id="{1868C496-3F89-090E-F42A-67347628E814}"/>
+              </a:ext>
+            </a:extLst>
+          </p:cNvPr>
+          <p:cNvPicPr>
+            <a:picLocks noChangeAspect="1"/>
+          </p:cNvPicPr>
+          <p:nvPr/>
+        </p:nvPicPr>
+        <p:blipFill>
+          <a:blip r:embed="rId7"/>
+          <a:stretch>
+            <a:fillRect/>
+          </a:stretch>
+        </p:blipFill>
+        <p:spPr>
+          <a:xfrm>
+            <a:off x="7767327" y="2780118"/>
+            <a:ext cx="425979" cy="359420"/>
+          </a:xfrm>
+          <a:prstGeom prst="rect">
+            <a:avLst/>
+          </a:prstGeom>
+        </p:spPr>
+      </p:pic>
+      <p:pic>
+        <p:nvPicPr>
+          <p:cNvPr id="5" name="Picture 4">
+            <a:extLst>
+              <a:ext uri="{FF2B5EF4-FFF2-40B4-BE49-F238E27FC236}">
+                <a16:creationId xmlns:a16="http://schemas.microsoft.com/office/drawing/2014/main" id="{37AECDB1-9FF9-3746-9425-8FFA95548A9A}"/>
+              </a:ext>
+            </a:extLst>
+          </p:cNvPr>
+          <p:cNvPicPr>
+            <a:picLocks noChangeAspect="1"/>
+          </p:cNvPicPr>
+          <p:nvPr/>
+        </p:nvPicPr>
+        <p:blipFill>
+          <a:blip r:embed="rId8"/>
+          <a:stretch>
+            <a:fillRect/>
+          </a:stretch>
+        </p:blipFill>
+        <p:spPr>
+          <a:xfrm>
+            <a:off x="8205127" y="2744252"/>
+            <a:ext cx="453766" cy="427836"/>
+          </a:xfrm>
+          <a:prstGeom prst="rect">
+            <a:avLst/>
+          </a:prstGeom>
+        </p:spPr>
+      </p:pic>
+    </p:spTree>
+    <p:extLst>
+      <p:ext uri="{BB962C8B-B14F-4D97-AF65-F5344CB8AC3E}">
+        <p14:creationId xmlns:p14="http://schemas.microsoft.com/office/powerpoint/2010/main" val="3539241343"/>
+      </p:ext>
+    </p:extLst>
+  </p:cSld>
+  <p:clrMapOvr>
+    <a:masterClrMapping/>
+  </p:clrMapOvr>
+</p:sld>
+</file>
+
 <file path=ppt/theme/theme1.xml><?xml version="1.0" encoding="utf-8"?>
 <a:theme xmlns:a="http://schemas.openxmlformats.org/drawingml/2006/main" name="Office">
   <a:themeElements>

--- a/xpedition_designer/images/flow-chart.pptx
+++ b/xpedition_designer/images/flow-chart.pptx
@@ -118,10 +118,65 @@
   <pc:docChgLst>
     <pc:chgData name="Merger Edgar FRD XAHDH13" userId="bc3d4c67-dcc3-408b-96f7-613e0dfa2b90" providerId="ADAL" clId="{D6E6E947-5D8F-436A-AFFF-9BC2F7B01DB1}"/>
     <pc:docChg chg="addSld delSld modSld">
-      <pc:chgData name="Merger Edgar FRD XAHDH13" userId="bc3d4c67-dcc3-408b-96f7-613e0dfa2b90" providerId="ADAL" clId="{D6E6E947-5D8F-436A-AFFF-9BC2F7B01DB1}" dt="2024-11-14T16:45:13.895" v="23" actId="20577"/>
+      <pc:chgData name="Merger Edgar FRD XAHDH13" userId="bc3d4c67-dcc3-408b-96f7-613e0dfa2b90" providerId="ADAL" clId="{D6E6E947-5D8F-436A-AFFF-9BC2F7B01DB1}" dt="2024-11-15T21:27:24.052" v="25" actId="692"/>
       <pc:docMkLst>
         <pc:docMk/>
       </pc:docMkLst>
+      <pc:sldChg chg="modSp mod">
+        <pc:chgData name="Merger Edgar FRD XAHDH13" userId="bc3d4c67-dcc3-408b-96f7-613e0dfa2b90" providerId="ADAL" clId="{D6E6E947-5D8F-436A-AFFF-9BC2F7B01DB1}" dt="2024-11-15T21:26:43.239" v="24" actId="692"/>
+        <pc:sldMkLst>
+          <pc:docMk/>
+          <pc:sldMk cId="184967413" sldId="257"/>
+        </pc:sldMkLst>
+        <pc:cxnChg chg="mod">
+          <ac:chgData name="Merger Edgar FRD XAHDH13" userId="bc3d4c67-dcc3-408b-96f7-613e0dfa2b90" providerId="ADAL" clId="{D6E6E947-5D8F-436A-AFFF-9BC2F7B01DB1}" dt="2024-11-15T21:26:43.239" v="24" actId="692"/>
+          <ac:cxnSpMkLst>
+            <pc:docMk/>
+            <pc:sldMk cId="184967413" sldId="257"/>
+            <ac:cxnSpMk id="35" creationId="{F51FD2DA-7F8B-CD83-F3D0-938F7242F77A}"/>
+          </ac:cxnSpMkLst>
+        </pc:cxnChg>
+        <pc:cxnChg chg="mod">
+          <ac:chgData name="Merger Edgar FRD XAHDH13" userId="bc3d4c67-dcc3-408b-96f7-613e0dfa2b90" providerId="ADAL" clId="{D6E6E947-5D8F-436A-AFFF-9BC2F7B01DB1}" dt="2024-11-15T21:26:43.239" v="24" actId="692"/>
+          <ac:cxnSpMkLst>
+            <pc:docMk/>
+            <pc:sldMk cId="184967413" sldId="257"/>
+            <ac:cxnSpMk id="37" creationId="{31F4F60D-2961-3F24-A2E5-0046694BBF59}"/>
+          </ac:cxnSpMkLst>
+        </pc:cxnChg>
+        <pc:cxnChg chg="mod">
+          <ac:chgData name="Merger Edgar FRD XAHDH13" userId="bc3d4c67-dcc3-408b-96f7-613e0dfa2b90" providerId="ADAL" clId="{D6E6E947-5D8F-436A-AFFF-9BC2F7B01DB1}" dt="2024-11-15T21:26:43.239" v="24" actId="692"/>
+          <ac:cxnSpMkLst>
+            <pc:docMk/>
+            <pc:sldMk cId="184967413" sldId="257"/>
+            <ac:cxnSpMk id="41" creationId="{7388123D-AFFF-4BB3-C424-3DAAFE76C5E1}"/>
+          </ac:cxnSpMkLst>
+        </pc:cxnChg>
+        <pc:cxnChg chg="mod">
+          <ac:chgData name="Merger Edgar FRD XAHDH13" userId="bc3d4c67-dcc3-408b-96f7-613e0dfa2b90" providerId="ADAL" clId="{D6E6E947-5D8F-436A-AFFF-9BC2F7B01DB1}" dt="2024-11-15T21:26:43.239" v="24" actId="692"/>
+          <ac:cxnSpMkLst>
+            <pc:docMk/>
+            <pc:sldMk cId="184967413" sldId="257"/>
+            <ac:cxnSpMk id="48" creationId="{528BFE1B-251C-68B3-F40F-AA9FA82A14E9}"/>
+          </ac:cxnSpMkLst>
+        </pc:cxnChg>
+        <pc:cxnChg chg="mod">
+          <ac:chgData name="Merger Edgar FRD XAHDH13" userId="bc3d4c67-dcc3-408b-96f7-613e0dfa2b90" providerId="ADAL" clId="{D6E6E947-5D8F-436A-AFFF-9BC2F7B01DB1}" dt="2024-11-15T21:26:43.239" v="24" actId="692"/>
+          <ac:cxnSpMkLst>
+            <pc:docMk/>
+            <pc:sldMk cId="184967413" sldId="257"/>
+            <ac:cxnSpMk id="50" creationId="{51997A0B-4A34-87FA-8BD0-CB80F54DB396}"/>
+          </ac:cxnSpMkLst>
+        </pc:cxnChg>
+        <pc:cxnChg chg="mod">
+          <ac:chgData name="Merger Edgar FRD XAHDH13" userId="bc3d4c67-dcc3-408b-96f7-613e0dfa2b90" providerId="ADAL" clId="{D6E6E947-5D8F-436A-AFFF-9BC2F7B01DB1}" dt="2024-11-15T21:26:43.239" v="24" actId="692"/>
+          <ac:cxnSpMkLst>
+            <pc:docMk/>
+            <pc:sldMk cId="184967413" sldId="257"/>
+            <ac:cxnSpMk id="53" creationId="{26DAB490-54B1-2547-6416-DBB061C6FDC4}"/>
+          </ac:cxnSpMkLst>
+        </pc:cxnChg>
+      </pc:sldChg>
       <pc:sldChg chg="new del">
         <pc:chgData name="Merger Edgar FRD XAHDH13" userId="bc3d4c67-dcc3-408b-96f7-613e0dfa2b90" providerId="ADAL" clId="{D6E6E947-5D8F-436A-AFFF-9BC2F7B01DB1}" dt="2024-11-14T16:44:06.511" v="2" actId="47"/>
         <pc:sldMkLst>
@@ -130,7 +185,7 @@
         </pc:sldMkLst>
       </pc:sldChg>
       <pc:sldChg chg="addSp modSp add mod">
-        <pc:chgData name="Merger Edgar FRD XAHDH13" userId="bc3d4c67-dcc3-408b-96f7-613e0dfa2b90" providerId="ADAL" clId="{D6E6E947-5D8F-436A-AFFF-9BC2F7B01DB1}" dt="2024-11-14T16:45:13.895" v="23" actId="20577"/>
+        <pc:chgData name="Merger Edgar FRD XAHDH13" userId="bc3d4c67-dcc3-408b-96f7-613e0dfa2b90" providerId="ADAL" clId="{D6E6E947-5D8F-436A-AFFF-9BC2F7B01DB1}" dt="2024-11-15T21:27:24.052" v="25" actId="692"/>
         <pc:sldMkLst>
           <pc:docMk/>
           <pc:sldMk cId="3539241343" sldId="259"/>
@@ -191,6 +246,54 @@
             <ac:picMk id="31" creationId="{040844AA-E79B-1770-FF18-2B01FD25E2EB}"/>
           </ac:picMkLst>
         </pc:picChg>
+        <pc:cxnChg chg="mod">
+          <ac:chgData name="Merger Edgar FRD XAHDH13" userId="bc3d4c67-dcc3-408b-96f7-613e0dfa2b90" providerId="ADAL" clId="{D6E6E947-5D8F-436A-AFFF-9BC2F7B01DB1}" dt="2024-11-15T21:27:24.052" v="25" actId="692"/>
+          <ac:cxnSpMkLst>
+            <pc:docMk/>
+            <pc:sldMk cId="3539241343" sldId="259"/>
+            <ac:cxnSpMk id="35" creationId="{F51FD2DA-7F8B-CD83-F3D0-938F7242F77A}"/>
+          </ac:cxnSpMkLst>
+        </pc:cxnChg>
+        <pc:cxnChg chg="mod">
+          <ac:chgData name="Merger Edgar FRD XAHDH13" userId="bc3d4c67-dcc3-408b-96f7-613e0dfa2b90" providerId="ADAL" clId="{D6E6E947-5D8F-436A-AFFF-9BC2F7B01DB1}" dt="2024-11-15T21:27:24.052" v="25" actId="692"/>
+          <ac:cxnSpMkLst>
+            <pc:docMk/>
+            <pc:sldMk cId="3539241343" sldId="259"/>
+            <ac:cxnSpMk id="37" creationId="{31F4F60D-2961-3F24-A2E5-0046694BBF59}"/>
+          </ac:cxnSpMkLst>
+        </pc:cxnChg>
+        <pc:cxnChg chg="mod">
+          <ac:chgData name="Merger Edgar FRD XAHDH13" userId="bc3d4c67-dcc3-408b-96f7-613e0dfa2b90" providerId="ADAL" clId="{D6E6E947-5D8F-436A-AFFF-9BC2F7B01DB1}" dt="2024-11-15T21:27:24.052" v="25" actId="692"/>
+          <ac:cxnSpMkLst>
+            <pc:docMk/>
+            <pc:sldMk cId="3539241343" sldId="259"/>
+            <ac:cxnSpMk id="41" creationId="{7388123D-AFFF-4BB3-C424-3DAAFE76C5E1}"/>
+          </ac:cxnSpMkLst>
+        </pc:cxnChg>
+        <pc:cxnChg chg="mod">
+          <ac:chgData name="Merger Edgar FRD XAHDH13" userId="bc3d4c67-dcc3-408b-96f7-613e0dfa2b90" providerId="ADAL" clId="{D6E6E947-5D8F-436A-AFFF-9BC2F7B01DB1}" dt="2024-11-15T21:27:24.052" v="25" actId="692"/>
+          <ac:cxnSpMkLst>
+            <pc:docMk/>
+            <pc:sldMk cId="3539241343" sldId="259"/>
+            <ac:cxnSpMk id="48" creationId="{528BFE1B-251C-68B3-F40F-AA9FA82A14E9}"/>
+          </ac:cxnSpMkLst>
+        </pc:cxnChg>
+        <pc:cxnChg chg="mod">
+          <ac:chgData name="Merger Edgar FRD XAHDH13" userId="bc3d4c67-dcc3-408b-96f7-613e0dfa2b90" providerId="ADAL" clId="{D6E6E947-5D8F-436A-AFFF-9BC2F7B01DB1}" dt="2024-11-15T21:27:24.052" v="25" actId="692"/>
+          <ac:cxnSpMkLst>
+            <pc:docMk/>
+            <pc:sldMk cId="3539241343" sldId="259"/>
+            <ac:cxnSpMk id="50" creationId="{51997A0B-4A34-87FA-8BD0-CB80F54DB396}"/>
+          </ac:cxnSpMkLst>
+        </pc:cxnChg>
+        <pc:cxnChg chg="mod">
+          <ac:chgData name="Merger Edgar FRD XAHDH13" userId="bc3d4c67-dcc3-408b-96f7-613e0dfa2b90" providerId="ADAL" clId="{D6E6E947-5D8F-436A-AFFF-9BC2F7B01DB1}" dt="2024-11-15T21:27:24.052" v="25" actId="692"/>
+          <ac:cxnSpMkLst>
+            <pc:docMk/>
+            <pc:sldMk cId="3539241343" sldId="259"/>
+            <ac:cxnSpMk id="53" creationId="{26DAB490-54B1-2547-6416-DBB061C6FDC4}"/>
+          </ac:cxnSpMkLst>
+        </pc:cxnChg>
       </pc:sldChg>
     </pc:docChg>
   </pc:docChgLst>
@@ -346,7 +449,7 @@
           <a:p>
             <a:fld id="{9AF7088A-C1D3-41AE-AF77-5FCBECDF5BD5}" type="datetimeFigureOut">
               <a:rPr lang="en-US" smtClean="0"/>
-              <a:t>11/14/2024</a:t>
+              <a:t>11/15/2024</a:t>
             </a:fld>
             <a:endParaRPr lang="en-US"/>
           </a:p>
@@ -546,7 +649,7 @@
           <a:p>
             <a:fld id="{9AF7088A-C1D3-41AE-AF77-5FCBECDF5BD5}" type="datetimeFigureOut">
               <a:rPr lang="en-US" smtClean="0"/>
-              <a:t>11/14/2024</a:t>
+              <a:t>11/15/2024</a:t>
             </a:fld>
             <a:endParaRPr lang="en-US"/>
           </a:p>
@@ -756,7 +859,7 @@
           <a:p>
             <a:fld id="{9AF7088A-C1D3-41AE-AF77-5FCBECDF5BD5}" type="datetimeFigureOut">
               <a:rPr lang="en-US" smtClean="0"/>
-              <a:t>11/14/2024</a:t>
+              <a:t>11/15/2024</a:t>
             </a:fld>
             <a:endParaRPr lang="en-US"/>
           </a:p>
@@ -956,7 +1059,7 @@
           <a:p>
             <a:fld id="{9AF7088A-C1D3-41AE-AF77-5FCBECDF5BD5}" type="datetimeFigureOut">
               <a:rPr lang="en-US" smtClean="0"/>
-              <a:t>11/14/2024</a:t>
+              <a:t>11/15/2024</a:t>
             </a:fld>
             <a:endParaRPr lang="en-US"/>
           </a:p>
@@ -1232,7 +1335,7 @@
           <a:p>
             <a:fld id="{9AF7088A-C1D3-41AE-AF77-5FCBECDF5BD5}" type="datetimeFigureOut">
               <a:rPr lang="en-US" smtClean="0"/>
-              <a:t>11/14/2024</a:t>
+              <a:t>11/15/2024</a:t>
             </a:fld>
             <a:endParaRPr lang="en-US"/>
           </a:p>
@@ -1500,7 +1603,7 @@
           <a:p>
             <a:fld id="{9AF7088A-C1D3-41AE-AF77-5FCBECDF5BD5}" type="datetimeFigureOut">
               <a:rPr lang="en-US" smtClean="0"/>
-              <a:t>11/14/2024</a:t>
+              <a:t>11/15/2024</a:t>
             </a:fld>
             <a:endParaRPr lang="en-US"/>
           </a:p>
@@ -1915,7 +2018,7 @@
           <a:p>
             <a:fld id="{9AF7088A-C1D3-41AE-AF77-5FCBECDF5BD5}" type="datetimeFigureOut">
               <a:rPr lang="en-US" smtClean="0"/>
-              <a:t>11/14/2024</a:t>
+              <a:t>11/15/2024</a:t>
             </a:fld>
             <a:endParaRPr lang="en-US"/>
           </a:p>
@@ -2057,7 +2160,7 @@
           <a:p>
             <a:fld id="{9AF7088A-C1D3-41AE-AF77-5FCBECDF5BD5}" type="datetimeFigureOut">
               <a:rPr lang="en-US" smtClean="0"/>
-              <a:t>11/14/2024</a:t>
+              <a:t>11/15/2024</a:t>
             </a:fld>
             <a:endParaRPr lang="en-US"/>
           </a:p>
@@ -2170,7 +2273,7 @@
           <a:p>
             <a:fld id="{9AF7088A-C1D3-41AE-AF77-5FCBECDF5BD5}" type="datetimeFigureOut">
               <a:rPr lang="en-US" smtClean="0"/>
-              <a:t>11/14/2024</a:t>
+              <a:t>11/15/2024</a:t>
             </a:fld>
             <a:endParaRPr lang="en-US"/>
           </a:p>
@@ -2483,7 +2586,7 @@
           <a:p>
             <a:fld id="{9AF7088A-C1D3-41AE-AF77-5FCBECDF5BD5}" type="datetimeFigureOut">
               <a:rPr lang="en-US" smtClean="0"/>
-              <a:t>11/14/2024</a:t>
+              <a:t>11/15/2024</a:t>
             </a:fld>
             <a:endParaRPr lang="en-US"/>
           </a:p>
@@ -2772,7 +2875,7 @@
           <a:p>
             <a:fld id="{9AF7088A-C1D3-41AE-AF77-5FCBECDF5BD5}" type="datetimeFigureOut">
               <a:rPr lang="en-US" smtClean="0"/>
-              <a:t>11/14/2024</a:t>
+              <a:t>11/15/2024</a:t>
             </a:fld>
             <a:endParaRPr lang="en-US"/>
           </a:p>
@@ -3015,7 +3118,7 @@
           <a:p>
             <a:fld id="{9AF7088A-C1D3-41AE-AF77-5FCBECDF5BD5}" type="datetimeFigureOut">
               <a:rPr lang="en-US" smtClean="0"/>
-              <a:t>11/14/2024</a:t>
+              <a:t>11/15/2024</a:t>
             </a:fld>
             <a:endParaRPr lang="en-US"/>
           </a:p>
@@ -3881,7 +3984,7 @@
           <a:noFill/>
           <a:ln w="6350" cap="rnd" cmpd="sng" algn="ctr">
             <a:solidFill>
-              <a:schemeClr val="bg2"/>
+              <a:schemeClr val="tx1"/>
             </a:solidFill>
             <a:prstDash val="solid"/>
             <a:round/>
@@ -4008,7 +4111,7 @@
           <a:noFill/>
           <a:ln w="6350" cap="rnd" cmpd="sng" algn="ctr">
             <a:solidFill>
-              <a:schemeClr val="bg2"/>
+              <a:schemeClr val="tx1"/>
             </a:solidFill>
             <a:prstDash val="solid"/>
             <a:round/>
@@ -4250,7 +4353,7 @@
           <a:noFill/>
           <a:ln w="6350" cap="rnd" cmpd="sng" algn="ctr">
             <a:solidFill>
-              <a:schemeClr val="bg2"/>
+              <a:schemeClr val="tx1"/>
             </a:solidFill>
             <a:prstDash val="solid"/>
             <a:round/>
@@ -4766,7 +4869,7 @@
           <a:noFill/>
           <a:ln w="6350" cap="rnd" cmpd="sng" algn="ctr">
             <a:solidFill>
-              <a:schemeClr val="bg2"/>
+              <a:schemeClr val="tx1"/>
             </a:solidFill>
             <a:prstDash val="solid"/>
             <a:round/>
@@ -4868,7 +4971,7 @@
           <a:noFill/>
           <a:ln w="6350" cap="rnd" cmpd="sng" algn="ctr">
             <a:solidFill>
-              <a:schemeClr val="bg2"/>
+              <a:schemeClr val="tx1"/>
             </a:solidFill>
             <a:prstDash val="solid"/>
             <a:round/>
@@ -5022,7 +5125,7 @@
           <a:noFill/>
           <a:ln w="6350" cap="rnd" cmpd="sng" algn="ctr">
             <a:solidFill>
-              <a:schemeClr val="bg2"/>
+              <a:schemeClr val="tx1"/>
             </a:solidFill>
             <a:prstDash val="solid"/>
             <a:round/>
@@ -5510,7 +5613,7 @@
           <a:noFill/>
           <a:ln w="6350" cap="rnd" cmpd="sng" algn="ctr">
             <a:solidFill>
-              <a:schemeClr val="bg2"/>
+              <a:schemeClr val="tx1"/>
             </a:solidFill>
             <a:prstDash val="solid"/>
             <a:round/>
@@ -5637,7 +5740,7 @@
           <a:noFill/>
           <a:ln w="6350" cap="rnd" cmpd="sng" algn="ctr">
             <a:solidFill>
-              <a:schemeClr val="bg2"/>
+              <a:schemeClr val="tx1"/>
             </a:solidFill>
             <a:prstDash val="solid"/>
             <a:round/>
@@ -5879,7 +5982,7 @@
           <a:noFill/>
           <a:ln w="6350" cap="rnd" cmpd="sng" algn="ctr">
             <a:solidFill>
-              <a:schemeClr val="bg2"/>
+              <a:schemeClr val="tx1"/>
             </a:solidFill>
             <a:prstDash val="solid"/>
             <a:round/>
@@ -6395,7 +6498,7 @@
           <a:noFill/>
           <a:ln w="6350" cap="rnd" cmpd="sng" algn="ctr">
             <a:solidFill>
-              <a:schemeClr val="bg2"/>
+              <a:schemeClr val="tx1"/>
             </a:solidFill>
             <a:prstDash val="solid"/>
             <a:round/>
@@ -6497,7 +6600,7 @@
           <a:noFill/>
           <a:ln w="6350" cap="rnd" cmpd="sng" algn="ctr">
             <a:solidFill>
-              <a:schemeClr val="bg2"/>
+              <a:schemeClr val="tx1"/>
             </a:solidFill>
             <a:prstDash val="solid"/>
             <a:round/>
@@ -6651,7 +6754,7 @@
           <a:noFill/>
           <a:ln w="6350" cap="rnd" cmpd="sng" algn="ctr">
             <a:solidFill>
-              <a:schemeClr val="bg2"/>
+              <a:schemeClr val="tx1"/>
             </a:solidFill>
             <a:prstDash val="solid"/>
             <a:round/>
